--- a/everything in c.pptx
+++ b/everything in c.pptx
@@ -20,6 +20,8 @@
     <p:sldId id="268" r:id="rId14"/>
     <p:sldId id="269" r:id="rId15"/>
     <p:sldId id="270" r:id="rId16"/>
+    <p:sldId id="271" r:id="rId17"/>
+    <p:sldId id="272" r:id="rId18"/>
   </p:sldIdLst>
   <p:sldSz cx="12192000" cy="6858000"/>
   <p:notesSz cx="6858000" cy="9144000"/>
@@ -251,7 +253,7 @@
           <a:p>
             <a:fld id="{DF485348-FF0B-472B-B42C-CD62F26E0287}" type="datetimeFigureOut">
               <a:rPr lang="ko-KR" altLang="en-US" smtClean="0"/>
-              <a:t>2023-12-20</a:t>
+              <a:t>2023-12-29</a:t>
             </a:fld>
             <a:endParaRPr lang="ko-KR" altLang="en-US"/>
           </a:p>
@@ -547,7 +549,7 @@
           <a:p>
             <a:fld id="{DF485348-FF0B-472B-B42C-CD62F26E0287}" type="datetimeFigureOut">
               <a:rPr lang="ko-KR" altLang="en-US" smtClean="0"/>
-              <a:t>2023-12-20</a:t>
+              <a:t>2023-12-29</a:t>
             </a:fld>
             <a:endParaRPr lang="ko-KR" altLang="en-US"/>
           </a:p>
@@ -11443,6 +11445,4076 @@
 </p:sld>
 </file>
 
+<file path=ppt/slides/slide16.xml><?xml version="1.0" encoding="utf-8"?>
+<p:sld xmlns:a="http://schemas.openxmlformats.org/drawingml/2006/main" xmlns:r="http://schemas.openxmlformats.org/officeDocument/2006/relationships" xmlns:p="http://schemas.openxmlformats.org/presentationml/2006/main">
+  <p:cSld>
+    <p:spTree>
+      <p:nvGrpSpPr>
+        <p:cNvPr id="1" name=""/>
+        <p:cNvGrpSpPr/>
+        <p:nvPr/>
+      </p:nvGrpSpPr>
+      <p:grpSpPr>
+        <a:xfrm>
+          <a:off x="0" y="0"/>
+          <a:ext cx="0" cy="0"/>
+          <a:chOff x="0" y="0"/>
+          <a:chExt cx="0" cy="0"/>
+        </a:xfrm>
+      </p:grpSpPr>
+      <p:sp>
+        <p:nvSpPr>
+          <p:cNvPr id="2" name="TextBox 1">
+            <a:extLst>
+              <a:ext uri="{FF2B5EF4-FFF2-40B4-BE49-F238E27FC236}">
+                <a16:creationId xmlns:a16="http://schemas.microsoft.com/office/drawing/2014/main" id="{5BB25941-8132-8202-BB61-F035D24C90CF}"/>
+              </a:ext>
+            </a:extLst>
+          </p:cNvPr>
+          <p:cNvSpPr txBox="1"/>
+          <p:nvPr/>
+        </p:nvSpPr>
+        <p:spPr>
+          <a:xfrm>
+            <a:off x="123824" y="808289"/>
+            <a:ext cx="3399021" cy="461665"/>
+          </a:xfrm>
+          <a:prstGeom prst="rect">
+            <a:avLst/>
+          </a:prstGeom>
+          <a:noFill/>
+        </p:spPr>
+        <p:txBody>
+          <a:bodyPr wrap="square" rtlCol="0">
+            <a:spAutoFit/>
+          </a:bodyPr>
+          <a:lstStyle/>
+          <a:p>
+            <a:r>
+              <a:rPr lang="en-US" altLang="ko-KR" sz="2400" dirty="0">
+                <a:latin typeface="Times New Roman" panose="02020603050405020304" pitchFamily="18" charset="0"/>
+                <a:cs typeface="Times New Roman" panose="02020603050405020304" pitchFamily="18" charset="0"/>
+              </a:rPr>
+              <a:t>■ XOR Principle</a:t>
+            </a:r>
+          </a:p>
+        </p:txBody>
+      </p:sp>
+      <p:sp>
+        <p:nvSpPr>
+          <p:cNvPr id="4" name="TextBox 3">
+            <a:extLst>
+              <a:ext uri="{FF2B5EF4-FFF2-40B4-BE49-F238E27FC236}">
+                <a16:creationId xmlns:a16="http://schemas.microsoft.com/office/drawing/2014/main" id="{433BF28E-3AFF-C552-FAE2-309559E95E58}"/>
+              </a:ext>
+            </a:extLst>
+          </p:cNvPr>
+          <p:cNvSpPr txBox="1"/>
+          <p:nvPr/>
+        </p:nvSpPr>
+        <p:spPr>
+          <a:xfrm>
+            <a:off x="123824" y="-59472"/>
+            <a:ext cx="7450722" cy="830997"/>
+          </a:xfrm>
+          <a:prstGeom prst="rect">
+            <a:avLst/>
+          </a:prstGeom>
+          <a:noFill/>
+        </p:spPr>
+        <p:txBody>
+          <a:bodyPr wrap="square" rtlCol="0">
+            <a:spAutoFit/>
+          </a:bodyPr>
+          <a:lstStyle/>
+          <a:p>
+            <a:r>
+              <a:rPr lang="en-US" altLang="ko-KR" sz="4800" dirty="0">
+                <a:solidFill>
+                  <a:schemeClr val="bg1"/>
+                </a:solidFill>
+                <a:latin typeface="Times New Roman" panose="02020603050405020304" pitchFamily="18" charset="0"/>
+                <a:cs typeface="Times New Roman" panose="02020603050405020304" pitchFamily="18" charset="0"/>
+              </a:rPr>
+              <a:t>Bitwise operator - XOR</a:t>
+            </a:r>
+            <a:endParaRPr lang="ko-KR" altLang="en-US" sz="4800" dirty="0">
+              <a:solidFill>
+                <a:schemeClr val="bg1"/>
+              </a:solidFill>
+              <a:latin typeface="Times New Roman" panose="02020603050405020304" pitchFamily="18" charset="0"/>
+              <a:cs typeface="Times New Roman" panose="02020603050405020304" pitchFamily="18" charset="0"/>
+            </a:endParaRPr>
+          </a:p>
+        </p:txBody>
+      </p:sp>
+      <mc:AlternateContent xmlns:mc="http://schemas.openxmlformats.org/markup-compatibility/2006">
+        <mc:Choice xmlns:a14="http://schemas.microsoft.com/office/drawing/2010/main" Requires="a14">
+          <p:graphicFrame>
+            <p:nvGraphicFramePr>
+              <p:cNvPr id="7" name="표 6">
+                <a:extLst>
+                  <a:ext uri="{FF2B5EF4-FFF2-40B4-BE49-F238E27FC236}">
+                    <a16:creationId xmlns:a16="http://schemas.microsoft.com/office/drawing/2014/main" id="{A97F9569-BC7C-C6D2-0FDE-271C9451AF82}"/>
+                  </a:ext>
+                </a:extLst>
+              </p:cNvPr>
+              <p:cNvGraphicFramePr>
+                <a:graphicFrameLocks noGrp="1"/>
+              </p:cNvGraphicFramePr>
+              <p:nvPr>
+                <p:extLst>
+                  <p:ext uri="{D42A27DB-BD31-4B8C-83A1-F6EECF244321}">
+                    <p14:modId xmlns:p14="http://schemas.microsoft.com/office/powerpoint/2010/main" val="3569973425"/>
+                  </p:ext>
+                </p:extLst>
+              </p:nvPr>
+            </p:nvGraphicFramePr>
+            <p:xfrm>
+              <a:off x="241699" y="1392650"/>
+              <a:ext cx="1972111" cy="1554480"/>
+            </p:xfrm>
+            <a:graphic>
+              <a:graphicData uri="http://schemas.openxmlformats.org/drawingml/2006/table">
+                <a:tbl>
+                  <a:tblPr firstRow="1" bandRow="1">
+                    <a:tableStyleId>{5C22544A-7EE6-4342-B048-85BDC9FD1C3A}</a:tableStyleId>
+                  </a:tblPr>
+                  <a:tblGrid>
+                    <a:gridCol w="1972111">
+                      <a:extLst>
+                        <a:ext uri="{9D8B030D-6E8A-4147-A177-3AD203B41FA5}">
+                          <a16:colId xmlns:a16="http://schemas.microsoft.com/office/drawing/2014/main" val="1427386122"/>
+                        </a:ext>
+                      </a:extLst>
+                    </a:gridCol>
+                  </a:tblGrid>
+                  <a:tr h="1543055">
+                    <a:tc>
+                      <a:txBody>
+                        <a:bodyPr/>
+                        <a:lstStyle/>
+                        <a:p>
+                          <a:pPr marL="0" marR="0" lvl="0" indent="0" algn="ctr" defTabSz="914400" rtl="0" eaLnBrk="1" fontAlgn="auto" latinLnBrk="1" hangingPunct="1">
+                            <a:lnSpc>
+                              <a:spcPct val="100000"/>
+                            </a:lnSpc>
+                            <a:spcBef>
+                              <a:spcPts val="0"/>
+                            </a:spcBef>
+                            <a:spcAft>
+                              <a:spcPts val="0"/>
+                            </a:spcAft>
+                            <a:buClrTx/>
+                            <a:buSzTx/>
+                            <a:buFontTx/>
+                            <a:buNone/>
+                            <a:tabLst/>
+                            <a:defRPr/>
+                          </a:pPr>
+                          <a:r>
+                            <a:rPr lang="en-US" altLang="ko-KR" sz="1200" baseline="0" dirty="0">
+                              <a:solidFill>
+                                <a:schemeClr val="tx1"/>
+                              </a:solidFill>
+                              <a:latin typeface="Times New Roman" panose="02020603050405020304" pitchFamily="18" charset="0"/>
+                              <a:cs typeface="Times New Roman" panose="02020603050405020304" pitchFamily="18" charset="0"/>
+                            </a:rPr>
+                            <a:t>0 </a:t>
+                          </a:r>
+                          <a14:m>
+                            <m:oMath xmlns:m="http://schemas.openxmlformats.org/officeDocument/2006/math">
+                              <m:r>
+                                <a:rPr lang="en-US" altLang="ko-KR" sz="1200" dirty="0" smtClean="0">
+                                  <a:solidFill>
+                                    <a:schemeClr val="tx1"/>
+                                  </a:solidFill>
+                                  <a:latin typeface="Cambria Math" panose="02040503050406030204" pitchFamily="18" charset="0"/>
+                                </a:rPr>
+                                <m:t>⊕</m:t>
+                              </m:r>
+                            </m:oMath>
+                          </a14:m>
+                          <a:r>
+                            <a:rPr lang="en-US" altLang="ko-KR" sz="1200" dirty="0">
+                              <a:solidFill>
+                                <a:schemeClr val="tx1"/>
+                              </a:solidFill>
+                              <a:latin typeface="Times New Roman" panose="02020603050405020304" pitchFamily="18" charset="0"/>
+                              <a:cs typeface="Times New Roman" panose="02020603050405020304" pitchFamily="18" charset="0"/>
+                            </a:rPr>
+                            <a:t> 0</a:t>
+                          </a:r>
+                          <a:r>
+                            <a:rPr lang="en-US" altLang="ko-KR" sz="1200" baseline="0" dirty="0">
+                              <a:solidFill>
+                                <a:schemeClr val="tx1"/>
+                              </a:solidFill>
+                              <a:latin typeface="Times New Roman" panose="02020603050405020304" pitchFamily="18" charset="0"/>
+                              <a:cs typeface="Times New Roman" panose="02020603050405020304" pitchFamily="18" charset="0"/>
+                            </a:rPr>
+                            <a:t> = 0</a:t>
+                          </a:r>
+                          <a:endParaRPr lang="ko-KR" altLang="en-US" sz="1200" dirty="0">
+                            <a:solidFill>
+                              <a:schemeClr val="tx1"/>
+                            </a:solidFill>
+                            <a:latin typeface="Times New Roman" panose="02020603050405020304" pitchFamily="18" charset="0"/>
+                            <a:cs typeface="Times New Roman" panose="02020603050405020304" pitchFamily="18" charset="0"/>
+                          </a:endParaRPr>
+                        </a:p>
+                        <a:p>
+                          <a:pPr algn="ctr"/>
+                          <a:r>
+                            <a:rPr lang="en-US" altLang="ko-KR" sz="1200" baseline="0" dirty="0">
+                              <a:solidFill>
+                                <a:schemeClr val="tx1"/>
+                              </a:solidFill>
+                              <a:latin typeface="Times New Roman" panose="02020603050405020304" pitchFamily="18" charset="0"/>
+                              <a:cs typeface="Times New Roman" panose="02020603050405020304" pitchFamily="18" charset="0"/>
+                            </a:rPr>
+                            <a:t>0 </a:t>
+                          </a:r>
+                          <a14:m>
+                            <m:oMath xmlns:m="http://schemas.openxmlformats.org/officeDocument/2006/math">
+                              <m:r>
+                                <a:rPr lang="en-US" altLang="ko-KR" sz="1200" dirty="0" smtClean="0">
+                                  <a:solidFill>
+                                    <a:schemeClr val="tx1"/>
+                                  </a:solidFill>
+                                  <a:latin typeface="Cambria Math" panose="02040503050406030204" pitchFamily="18" charset="0"/>
+                                </a:rPr>
+                                <m:t>⊕</m:t>
+                              </m:r>
+                            </m:oMath>
+                          </a14:m>
+                          <a:r>
+                            <a:rPr lang="en-US" altLang="ko-KR" sz="1200" dirty="0">
+                              <a:solidFill>
+                                <a:schemeClr val="tx1"/>
+                              </a:solidFill>
+                              <a:latin typeface="Times New Roman" panose="02020603050405020304" pitchFamily="18" charset="0"/>
+                              <a:cs typeface="Times New Roman" panose="02020603050405020304" pitchFamily="18" charset="0"/>
+                            </a:rPr>
+                            <a:t> 1</a:t>
+                          </a:r>
+                          <a:r>
+                            <a:rPr lang="en-US" altLang="ko-KR" sz="1200" baseline="0" dirty="0">
+                              <a:solidFill>
+                                <a:schemeClr val="tx1"/>
+                              </a:solidFill>
+                              <a:latin typeface="Times New Roman" panose="02020603050405020304" pitchFamily="18" charset="0"/>
+                              <a:cs typeface="Times New Roman" panose="02020603050405020304" pitchFamily="18" charset="0"/>
+                            </a:rPr>
+                            <a:t> = 1</a:t>
+                          </a:r>
+                        </a:p>
+                        <a:p>
+                          <a:pPr algn="ctr"/>
+                          <a:r>
+                            <a:rPr lang="en-US" altLang="ko-KR" sz="1200" baseline="0" dirty="0">
+                              <a:solidFill>
+                                <a:schemeClr val="tx1"/>
+                              </a:solidFill>
+                              <a:latin typeface="Times New Roman" panose="02020603050405020304" pitchFamily="18" charset="0"/>
+                              <a:cs typeface="Times New Roman" panose="02020603050405020304" pitchFamily="18" charset="0"/>
+                            </a:rPr>
+                            <a:t>1 </a:t>
+                          </a:r>
+                          <a14:m>
+                            <m:oMath xmlns:m="http://schemas.openxmlformats.org/officeDocument/2006/math">
+                              <m:r>
+                                <a:rPr lang="en-US" altLang="ko-KR" sz="1200" dirty="0" smtClean="0">
+                                  <a:solidFill>
+                                    <a:schemeClr val="tx1"/>
+                                  </a:solidFill>
+                                  <a:latin typeface="Cambria Math" panose="02040503050406030204" pitchFamily="18" charset="0"/>
+                                </a:rPr>
+                                <m:t>⊕</m:t>
+                              </m:r>
+                            </m:oMath>
+                          </a14:m>
+                          <a:r>
+                            <a:rPr lang="en-US" altLang="ko-KR" sz="1200" dirty="0">
+                              <a:solidFill>
+                                <a:schemeClr val="tx1"/>
+                              </a:solidFill>
+                              <a:latin typeface="Times New Roman" panose="02020603050405020304" pitchFamily="18" charset="0"/>
+                              <a:cs typeface="Times New Roman" panose="02020603050405020304" pitchFamily="18" charset="0"/>
+                            </a:rPr>
+                            <a:t> 0</a:t>
+                          </a:r>
+                          <a:r>
+                            <a:rPr lang="en-US" altLang="ko-KR" sz="1200" baseline="0" dirty="0">
+                              <a:solidFill>
+                                <a:schemeClr val="tx1"/>
+                              </a:solidFill>
+                              <a:latin typeface="Times New Roman" panose="02020603050405020304" pitchFamily="18" charset="0"/>
+                              <a:cs typeface="Times New Roman" panose="02020603050405020304" pitchFamily="18" charset="0"/>
+                            </a:rPr>
+                            <a:t> = 1</a:t>
+                          </a:r>
+                        </a:p>
+                        <a:p>
+                          <a:pPr algn="ctr"/>
+                          <a:r>
+                            <a:rPr lang="en-US" altLang="ko-KR" sz="1200" baseline="0" dirty="0">
+                              <a:solidFill>
+                                <a:schemeClr val="tx1"/>
+                              </a:solidFill>
+                              <a:latin typeface="Times New Roman" panose="02020603050405020304" pitchFamily="18" charset="0"/>
+                              <a:cs typeface="Times New Roman" panose="02020603050405020304" pitchFamily="18" charset="0"/>
+                            </a:rPr>
+                            <a:t>1 </a:t>
+                          </a:r>
+                          <a14:m>
+                            <m:oMath xmlns:m="http://schemas.openxmlformats.org/officeDocument/2006/math">
+                              <m:r>
+                                <a:rPr lang="en-US" altLang="ko-KR" sz="1200" dirty="0" smtClean="0">
+                                  <a:solidFill>
+                                    <a:schemeClr val="tx1"/>
+                                  </a:solidFill>
+                                  <a:latin typeface="Cambria Math" panose="02040503050406030204" pitchFamily="18" charset="0"/>
+                                </a:rPr>
+                                <m:t>⊕</m:t>
+                              </m:r>
+                            </m:oMath>
+                          </a14:m>
+                          <a:r>
+                            <a:rPr lang="en-US" altLang="ko-KR" sz="1200" dirty="0">
+                              <a:solidFill>
+                                <a:schemeClr val="tx1"/>
+                              </a:solidFill>
+                              <a:latin typeface="Times New Roman" panose="02020603050405020304" pitchFamily="18" charset="0"/>
+                              <a:cs typeface="Times New Roman" panose="02020603050405020304" pitchFamily="18" charset="0"/>
+                            </a:rPr>
+                            <a:t> 1</a:t>
+                          </a:r>
+                          <a:r>
+                            <a:rPr lang="en-US" altLang="ko-KR" sz="1200" baseline="0" dirty="0">
+                              <a:solidFill>
+                                <a:schemeClr val="tx1"/>
+                              </a:solidFill>
+                              <a:latin typeface="Times New Roman" panose="02020603050405020304" pitchFamily="18" charset="0"/>
+                              <a:cs typeface="Times New Roman" panose="02020603050405020304" pitchFamily="18" charset="0"/>
+                            </a:rPr>
+                            <a:t> = 0</a:t>
+                          </a:r>
+                          <a:endParaRPr lang="en-US" altLang="ko-KR" sz="1200" b="1" dirty="0">
+                            <a:solidFill>
+                              <a:schemeClr val="tx1"/>
+                            </a:solidFill>
+                            <a:latin typeface="Times New Roman" panose="02020603050405020304" pitchFamily="18" charset="0"/>
+                          </a:endParaRPr>
+                        </a:p>
+                        <a:p>
+                          <a:pPr algn="ctr"/>
+                          <a:endParaRPr lang="en-US" altLang="ko-KR" sz="1200" dirty="0">
+                            <a:solidFill>
+                              <a:schemeClr val="tx1"/>
+                            </a:solidFill>
+                            <a:latin typeface="Times New Roman" panose="02020603050405020304" pitchFamily="18" charset="0"/>
+                            <a:cs typeface="Times New Roman" panose="02020603050405020304" pitchFamily="18" charset="0"/>
+                          </a:endParaRPr>
+                        </a:p>
+                        <a:p>
+                          <a:pPr algn="ctr"/>
+                          <a:r>
+                            <a:rPr lang="en-US" altLang="ko-KR" sz="1200" dirty="0">
+                              <a:solidFill>
+                                <a:schemeClr val="tx1"/>
+                              </a:solidFill>
+                              <a:latin typeface="Times New Roman" panose="02020603050405020304" pitchFamily="18" charset="0"/>
+                              <a:cs typeface="Times New Roman" panose="02020603050405020304" pitchFamily="18" charset="0"/>
+                            </a:rPr>
+                            <a:t>A </a:t>
+                          </a:r>
+                          <a14:m>
+                            <m:oMath xmlns:m="http://schemas.openxmlformats.org/officeDocument/2006/math">
+                              <m:r>
+                                <a:rPr lang="en-US" altLang="ko-KR" sz="1200" dirty="0" smtClean="0">
+                                  <a:solidFill>
+                                    <a:schemeClr val="tx1"/>
+                                  </a:solidFill>
+                                  <a:latin typeface="Cambria Math" panose="02040503050406030204" pitchFamily="18" charset="0"/>
+                                </a:rPr>
+                                <m:t>⊕</m:t>
+                              </m:r>
+                              <m:r>
+                                <a:rPr lang="en-US" altLang="ko-KR" sz="1200" b="1" i="0" dirty="0" smtClean="0">
+                                  <a:solidFill>
+                                    <a:schemeClr val="tx1"/>
+                                  </a:solidFill>
+                                  <a:latin typeface="Cambria Math" panose="02040503050406030204" pitchFamily="18" charset="0"/>
+                                </a:rPr>
+                                <m:t> </m:t>
+                              </m:r>
+                            </m:oMath>
+                          </a14:m>
+                          <a:r>
+                            <a:rPr lang="en-US" altLang="ko-KR" sz="1200" dirty="0">
+                              <a:solidFill>
+                                <a:schemeClr val="tx1"/>
+                              </a:solidFill>
+                              <a:latin typeface="Times New Roman" panose="02020603050405020304" pitchFamily="18" charset="0"/>
+                              <a:cs typeface="Times New Roman" panose="02020603050405020304" pitchFamily="18" charset="0"/>
+                            </a:rPr>
+                            <a:t>A </a:t>
+                          </a:r>
+                          <a:r>
+                            <a:rPr lang="en-US" altLang="ko-KR" sz="1200" baseline="0" dirty="0">
+                              <a:solidFill>
+                                <a:schemeClr val="tx1"/>
+                              </a:solidFill>
+                              <a:latin typeface="Times New Roman" panose="02020603050405020304" pitchFamily="18" charset="0"/>
+                              <a:cs typeface="Times New Roman" panose="02020603050405020304" pitchFamily="18" charset="0"/>
+                            </a:rPr>
+                            <a:t> = 0</a:t>
+                          </a:r>
+                        </a:p>
+                        <a:p>
+                          <a:pPr algn="ctr"/>
+                          <a:r>
+                            <a:rPr lang="en-US" altLang="ko-KR" sz="1200" baseline="0" dirty="0">
+                              <a:solidFill>
+                                <a:schemeClr val="tx1"/>
+                              </a:solidFill>
+                              <a:latin typeface="Times New Roman" panose="02020603050405020304" pitchFamily="18" charset="0"/>
+                              <a:cs typeface="Times New Roman" panose="02020603050405020304" pitchFamily="18" charset="0"/>
+                            </a:rPr>
+                            <a:t>0 </a:t>
+                          </a:r>
+                          <a14:m>
+                            <m:oMath xmlns:m="http://schemas.openxmlformats.org/officeDocument/2006/math">
+                              <m:r>
+                                <a:rPr lang="en-US" altLang="ko-KR" sz="1200" dirty="0" smtClean="0">
+                                  <a:solidFill>
+                                    <a:schemeClr val="tx1"/>
+                                  </a:solidFill>
+                                  <a:latin typeface="Cambria Math" panose="02040503050406030204" pitchFamily="18" charset="0"/>
+                                </a:rPr>
+                                <m:t>⊕</m:t>
+                              </m:r>
+                              <m:r>
+                                <a:rPr lang="en-US" altLang="ko-KR" sz="1200" b="1" i="0" dirty="0" smtClean="0">
+                                  <a:solidFill>
+                                    <a:schemeClr val="tx1"/>
+                                  </a:solidFill>
+                                  <a:latin typeface="Cambria Math" panose="02040503050406030204" pitchFamily="18" charset="0"/>
+                                </a:rPr>
+                                <m:t> </m:t>
+                              </m:r>
+                            </m:oMath>
+                          </a14:m>
+                          <a:r>
+                            <a:rPr lang="en-US" altLang="ko-KR" sz="1200" dirty="0">
+                              <a:solidFill>
+                                <a:schemeClr val="tx1"/>
+                              </a:solidFill>
+                              <a:latin typeface="Times New Roman" panose="02020603050405020304" pitchFamily="18" charset="0"/>
+                              <a:cs typeface="Times New Roman" panose="02020603050405020304" pitchFamily="18" charset="0"/>
+                            </a:rPr>
+                            <a:t>A </a:t>
+                          </a:r>
+                          <a:r>
+                            <a:rPr lang="en-US" altLang="ko-KR" sz="1200" baseline="0" dirty="0">
+                              <a:solidFill>
+                                <a:schemeClr val="tx1"/>
+                              </a:solidFill>
+                              <a:latin typeface="Times New Roman" panose="02020603050405020304" pitchFamily="18" charset="0"/>
+                              <a:cs typeface="Times New Roman" panose="02020603050405020304" pitchFamily="18" charset="0"/>
+                            </a:rPr>
+                            <a:t> = A</a:t>
+                          </a:r>
+                        </a:p>
+                        <a:p>
+                          <a:pPr algn="ctr"/>
+                          <a:r>
+                            <a:rPr lang="en-US" altLang="ko-KR" sz="1200" dirty="0">
+                              <a:solidFill>
+                                <a:schemeClr val="tx1"/>
+                              </a:solidFill>
+                              <a:latin typeface="Times New Roman" panose="02020603050405020304" pitchFamily="18" charset="0"/>
+                              <a:cs typeface="Times New Roman" panose="02020603050405020304" pitchFamily="18" charset="0"/>
+                            </a:rPr>
+                            <a:t>A </a:t>
+                          </a:r>
+                          <a14:m>
+                            <m:oMath xmlns:m="http://schemas.openxmlformats.org/officeDocument/2006/math">
+                              <m:r>
+                                <a:rPr lang="en-US" altLang="ko-KR" sz="1200" dirty="0" smtClean="0">
+                                  <a:solidFill>
+                                    <a:schemeClr val="tx1"/>
+                                  </a:solidFill>
+                                  <a:latin typeface="Cambria Math" panose="02040503050406030204" pitchFamily="18" charset="0"/>
+                                </a:rPr>
+                                <m:t>⊕</m:t>
+                              </m:r>
+                            </m:oMath>
+                          </a14:m>
+                          <a:r>
+                            <a:rPr lang="en-US" altLang="ko-KR" sz="1200" dirty="0">
+                              <a:solidFill>
+                                <a:schemeClr val="tx1"/>
+                              </a:solidFill>
+                              <a:latin typeface="Times New Roman" panose="02020603050405020304" pitchFamily="18" charset="0"/>
+                              <a:cs typeface="Times New Roman" panose="02020603050405020304" pitchFamily="18" charset="0"/>
+                            </a:rPr>
+                            <a:t> B</a:t>
+                          </a:r>
+                          <a:r>
+                            <a:rPr lang="en-US" altLang="ko-KR" sz="1200" baseline="0" dirty="0">
+                              <a:solidFill>
+                                <a:schemeClr val="tx1"/>
+                              </a:solidFill>
+                              <a:latin typeface="Times New Roman" panose="02020603050405020304" pitchFamily="18" charset="0"/>
+                              <a:cs typeface="Times New Roman" panose="02020603050405020304" pitchFamily="18" charset="0"/>
+                            </a:rPr>
+                            <a:t>= C </a:t>
+                          </a:r>
+                          <a:r>
+                            <a:rPr lang="en-US" altLang="ko-KR" sz="1200" baseline="0" dirty="0">
+                              <a:solidFill>
+                                <a:schemeClr val="tx1"/>
+                              </a:solidFill>
+                              <a:latin typeface="Times New Roman" panose="02020603050405020304" pitchFamily="18" charset="0"/>
+                              <a:cs typeface="Times New Roman" panose="02020603050405020304" pitchFamily="18" charset="0"/>
+                              <a:sym typeface="Wingdings" panose="05000000000000000000" pitchFamily="2" charset="2"/>
+                            </a:rPr>
+                            <a:t> </a:t>
+                          </a:r>
+                          <a:r>
+                            <a:rPr lang="en-US" altLang="ko-KR" sz="1200" dirty="0">
+                              <a:solidFill>
+                                <a:schemeClr val="tx1"/>
+                              </a:solidFill>
+                              <a:latin typeface="Times New Roman" panose="02020603050405020304" pitchFamily="18" charset="0"/>
+                              <a:cs typeface="Times New Roman" panose="02020603050405020304" pitchFamily="18" charset="0"/>
+                            </a:rPr>
+                            <a:t>A </a:t>
+                          </a:r>
+                          <a14:m>
+                            <m:oMath xmlns:m="http://schemas.openxmlformats.org/officeDocument/2006/math">
+                              <m:r>
+                                <a:rPr lang="en-US" altLang="ko-KR" sz="1200" dirty="0" smtClean="0">
+                                  <a:solidFill>
+                                    <a:schemeClr val="tx1"/>
+                                  </a:solidFill>
+                                  <a:latin typeface="Cambria Math" panose="02040503050406030204" pitchFamily="18" charset="0"/>
+                                </a:rPr>
+                                <m:t>⊕</m:t>
+                              </m:r>
+                            </m:oMath>
+                          </a14:m>
+                          <a:r>
+                            <a:rPr lang="en-US" altLang="ko-KR" sz="1200" dirty="0">
+                              <a:solidFill>
+                                <a:schemeClr val="tx1"/>
+                              </a:solidFill>
+                              <a:latin typeface="Times New Roman" panose="02020603050405020304" pitchFamily="18" charset="0"/>
+                              <a:cs typeface="Times New Roman" panose="02020603050405020304" pitchFamily="18" charset="0"/>
+                            </a:rPr>
+                            <a:t> C</a:t>
+                          </a:r>
+                          <a:r>
+                            <a:rPr lang="en-US" altLang="ko-KR" sz="1200" baseline="0" dirty="0">
+                              <a:solidFill>
+                                <a:schemeClr val="tx1"/>
+                              </a:solidFill>
+                              <a:latin typeface="Times New Roman" panose="02020603050405020304" pitchFamily="18" charset="0"/>
+                              <a:cs typeface="Times New Roman" panose="02020603050405020304" pitchFamily="18" charset="0"/>
+                            </a:rPr>
+                            <a:t>= B</a:t>
+                          </a:r>
+                          <a:endParaRPr lang="ko-KR" altLang="en-US" sz="1200" dirty="0">
+                            <a:solidFill>
+                              <a:schemeClr val="tx1"/>
+                            </a:solidFill>
+                            <a:latin typeface="Times New Roman" panose="02020603050405020304" pitchFamily="18" charset="0"/>
+                            <a:cs typeface="Times New Roman" panose="02020603050405020304" pitchFamily="18" charset="0"/>
+                          </a:endParaRPr>
+                        </a:p>
+                      </a:txBody>
+                      <a:tcPr>
+                        <a:lnL w="12700" cap="flat" cmpd="sng" algn="ctr">
+                          <a:solidFill>
+                            <a:schemeClr val="tx1"/>
+                          </a:solidFill>
+                          <a:prstDash val="solid"/>
+                          <a:round/>
+                          <a:headEnd type="none" w="med" len="med"/>
+                          <a:tailEnd type="none" w="med" len="med"/>
+                        </a:lnL>
+                        <a:lnR w="12700" cap="flat" cmpd="sng" algn="ctr">
+                          <a:solidFill>
+                            <a:schemeClr val="tx1"/>
+                          </a:solidFill>
+                          <a:prstDash val="solid"/>
+                          <a:round/>
+                          <a:headEnd type="none" w="med" len="med"/>
+                          <a:tailEnd type="none" w="med" len="med"/>
+                        </a:lnR>
+                        <a:lnT w="12700" cap="flat" cmpd="sng" algn="ctr">
+                          <a:solidFill>
+                            <a:schemeClr val="tx1"/>
+                          </a:solidFill>
+                          <a:prstDash val="solid"/>
+                          <a:round/>
+                          <a:headEnd type="none" w="med" len="med"/>
+                          <a:tailEnd type="none" w="med" len="med"/>
+                        </a:lnT>
+                        <a:lnB w="12700" cap="flat" cmpd="sng" algn="ctr">
+                          <a:solidFill>
+                            <a:schemeClr val="tx1"/>
+                          </a:solidFill>
+                          <a:prstDash val="solid"/>
+                          <a:round/>
+                          <a:headEnd type="none" w="med" len="med"/>
+                          <a:tailEnd type="none" w="med" len="med"/>
+                        </a:lnB>
+                        <a:lnTlToBr w="12700" cmpd="sng">
+                          <a:noFill/>
+                          <a:prstDash val="solid"/>
+                        </a:lnTlToBr>
+                        <a:lnBlToTr w="12700" cmpd="sng">
+                          <a:noFill/>
+                          <a:prstDash val="solid"/>
+                        </a:lnBlToTr>
+                        <a:noFill/>
+                      </a:tcPr>
+                    </a:tc>
+                    <a:extLst>
+                      <a:ext uri="{0D108BD9-81ED-4DB2-BD59-A6C34878D82A}">
+                        <a16:rowId xmlns:a16="http://schemas.microsoft.com/office/drawing/2014/main" val="4126198778"/>
+                      </a:ext>
+                    </a:extLst>
+                  </a:tr>
+                </a:tbl>
+              </a:graphicData>
+            </a:graphic>
+          </p:graphicFrame>
+        </mc:Choice>
+        <mc:Fallback>
+          <p:graphicFrame>
+            <p:nvGraphicFramePr>
+              <p:cNvPr id="7" name="표 6">
+                <a:extLst>
+                  <a:ext uri="{FF2B5EF4-FFF2-40B4-BE49-F238E27FC236}">
+                    <a16:creationId xmlns:a16="http://schemas.microsoft.com/office/drawing/2014/main" id="{A97F9569-BC7C-C6D2-0FDE-271C9451AF82}"/>
+                  </a:ext>
+                </a:extLst>
+              </p:cNvPr>
+              <p:cNvGraphicFramePr>
+                <a:graphicFrameLocks noGrp="1"/>
+              </p:cNvGraphicFramePr>
+              <p:nvPr>
+                <p:extLst>
+                  <p:ext uri="{D42A27DB-BD31-4B8C-83A1-F6EECF244321}">
+                    <p14:modId xmlns:p14="http://schemas.microsoft.com/office/powerpoint/2010/main" val="3569973425"/>
+                  </p:ext>
+                </p:extLst>
+              </p:nvPr>
+            </p:nvGraphicFramePr>
+            <p:xfrm>
+              <a:off x="241699" y="1392650"/>
+              <a:ext cx="1972111" cy="1554480"/>
+            </p:xfrm>
+            <a:graphic>
+              <a:graphicData uri="http://schemas.openxmlformats.org/drawingml/2006/table">
+                <a:tbl>
+                  <a:tblPr firstRow="1" bandRow="1">
+                    <a:tableStyleId>{5C22544A-7EE6-4342-B048-85BDC9FD1C3A}</a:tableStyleId>
+                  </a:tblPr>
+                  <a:tblGrid>
+                    <a:gridCol w="1972111">
+                      <a:extLst>
+                        <a:ext uri="{9D8B030D-6E8A-4147-A177-3AD203B41FA5}">
+                          <a16:colId xmlns:a16="http://schemas.microsoft.com/office/drawing/2014/main" val="1427386122"/>
+                        </a:ext>
+                      </a:extLst>
+                    </a:gridCol>
+                  </a:tblGrid>
+                  <a:tr h="1554480">
+                    <a:tc>
+                      <a:txBody>
+                        <a:bodyPr/>
+                        <a:lstStyle/>
+                        <a:p>
+                          <a:endParaRPr lang="ko-KR"/>
+                        </a:p>
+                      </a:txBody>
+                      <a:tcPr>
+                        <a:lnL w="12700" cap="flat" cmpd="sng" algn="ctr">
+                          <a:solidFill>
+                            <a:schemeClr val="tx1"/>
+                          </a:solidFill>
+                          <a:prstDash val="solid"/>
+                          <a:round/>
+                          <a:headEnd type="none" w="med" len="med"/>
+                          <a:tailEnd type="none" w="med" len="med"/>
+                        </a:lnL>
+                        <a:lnR w="12700" cap="flat" cmpd="sng" algn="ctr">
+                          <a:solidFill>
+                            <a:schemeClr val="tx1"/>
+                          </a:solidFill>
+                          <a:prstDash val="solid"/>
+                          <a:round/>
+                          <a:headEnd type="none" w="med" len="med"/>
+                          <a:tailEnd type="none" w="med" len="med"/>
+                        </a:lnR>
+                        <a:lnT w="12700" cap="flat" cmpd="sng" algn="ctr">
+                          <a:solidFill>
+                            <a:schemeClr val="tx1"/>
+                          </a:solidFill>
+                          <a:prstDash val="solid"/>
+                          <a:round/>
+                          <a:headEnd type="none" w="med" len="med"/>
+                          <a:tailEnd type="none" w="med" len="med"/>
+                        </a:lnT>
+                        <a:lnB w="12700" cap="flat" cmpd="sng" algn="ctr">
+                          <a:solidFill>
+                            <a:schemeClr val="tx1"/>
+                          </a:solidFill>
+                          <a:prstDash val="solid"/>
+                          <a:round/>
+                          <a:headEnd type="none" w="med" len="med"/>
+                          <a:tailEnd type="none" w="med" len="med"/>
+                        </a:lnB>
+                        <a:lnTlToBr w="12700" cmpd="sng">
+                          <a:noFill/>
+                          <a:prstDash val="solid"/>
+                        </a:lnTlToBr>
+                        <a:lnBlToTr w="12700" cmpd="sng">
+                          <a:noFill/>
+                          <a:prstDash val="solid"/>
+                        </a:lnBlToTr>
+                        <a:blipFill>
+                          <a:blip r:embed="rId2"/>
+                          <a:stretch>
+                            <a:fillRect l="-308" t="-391" r="-615" b="-2734"/>
+                          </a:stretch>
+                        </a:blipFill>
+                      </a:tcPr>
+                    </a:tc>
+                    <a:extLst>
+                      <a:ext uri="{0D108BD9-81ED-4DB2-BD59-A6C34878D82A}">
+                        <a16:rowId xmlns:a16="http://schemas.microsoft.com/office/drawing/2014/main" val="4126198778"/>
+                      </a:ext>
+                    </a:extLst>
+                  </a:tr>
+                </a:tbl>
+              </a:graphicData>
+            </a:graphic>
+          </p:graphicFrame>
+        </mc:Fallback>
+      </mc:AlternateContent>
+      <p:sp>
+        <p:nvSpPr>
+          <p:cNvPr id="8" name="TextBox 7">
+            <a:extLst>
+              <a:ext uri="{FF2B5EF4-FFF2-40B4-BE49-F238E27FC236}">
+                <a16:creationId xmlns:a16="http://schemas.microsoft.com/office/drawing/2014/main" id="{0AC05CE7-8DAE-B499-2C33-EA33349AAE58}"/>
+              </a:ext>
+            </a:extLst>
+          </p:cNvPr>
+          <p:cNvSpPr txBox="1"/>
+          <p:nvPr/>
+        </p:nvSpPr>
+        <p:spPr>
+          <a:xfrm>
+            <a:off x="5161847" y="824526"/>
+            <a:ext cx="2505477" cy="461665"/>
+          </a:xfrm>
+          <a:prstGeom prst="rect">
+            <a:avLst/>
+          </a:prstGeom>
+          <a:noFill/>
+        </p:spPr>
+        <p:txBody>
+          <a:bodyPr wrap="square" rtlCol="0">
+            <a:spAutoFit/>
+          </a:bodyPr>
+          <a:lstStyle/>
+          <a:p>
+            <a:r>
+              <a:rPr lang="en-US" altLang="ko-KR" sz="2400" dirty="0">
+                <a:latin typeface="Times New Roman" panose="02020603050405020304" pitchFamily="18" charset="0"/>
+                <a:cs typeface="Times New Roman" panose="02020603050405020304" pitchFamily="18" charset="0"/>
+              </a:rPr>
+              <a:t>■ Where to use</a:t>
+            </a:r>
+          </a:p>
+        </p:txBody>
+      </p:sp>
+      <p:graphicFrame>
+        <p:nvGraphicFramePr>
+          <p:cNvPr id="9" name="표 8">
+            <a:extLst>
+              <a:ext uri="{FF2B5EF4-FFF2-40B4-BE49-F238E27FC236}">
+                <a16:creationId xmlns:a16="http://schemas.microsoft.com/office/drawing/2014/main" id="{9C266657-4740-8092-07AD-4F300A85A0E9}"/>
+              </a:ext>
+            </a:extLst>
+          </p:cNvPr>
+          <p:cNvGraphicFramePr>
+            <a:graphicFrameLocks noGrp="1"/>
+          </p:cNvGraphicFramePr>
+          <p:nvPr>
+            <p:extLst>
+              <p:ext uri="{D42A27DB-BD31-4B8C-83A1-F6EECF244321}">
+                <p14:modId xmlns:p14="http://schemas.microsoft.com/office/powerpoint/2010/main" val="4137016014"/>
+              </p:ext>
+            </p:extLst>
+          </p:nvPr>
+        </p:nvGraphicFramePr>
+        <p:xfrm>
+          <a:off x="5270098" y="1408887"/>
+          <a:ext cx="4617454" cy="2116707"/>
+        </p:xfrm>
+        <a:graphic>
+          <a:graphicData uri="http://schemas.openxmlformats.org/drawingml/2006/table">
+            <a:tbl>
+              <a:tblPr firstRow="1" bandRow="1">
+                <a:tableStyleId>{5C22544A-7EE6-4342-B048-85BDC9FD1C3A}</a:tableStyleId>
+              </a:tblPr>
+              <a:tblGrid>
+                <a:gridCol w="4617454">
+                  <a:extLst>
+                    <a:ext uri="{9D8B030D-6E8A-4147-A177-3AD203B41FA5}">
+                      <a16:colId xmlns:a16="http://schemas.microsoft.com/office/drawing/2014/main" val="1427386122"/>
+                    </a:ext>
+                  </a:extLst>
+                </a:gridCol>
+              </a:tblGrid>
+              <a:tr h="2116707">
+                <a:tc>
+                  <a:txBody>
+                    <a:bodyPr/>
+                    <a:lstStyle/>
+                    <a:p>
+                      <a:r>
+                        <a:rPr lang="en-US" altLang="ko-KR" sz="1600" dirty="0">
+                          <a:solidFill>
+                            <a:schemeClr val="tx1"/>
+                          </a:solidFill>
+                          <a:latin typeface="Times New Roman" panose="02020603050405020304" pitchFamily="18" charset="0"/>
+                          <a:cs typeface="Times New Roman" panose="02020603050405020304" pitchFamily="18" charset="0"/>
+                        </a:rPr>
+                        <a:t>- Swap </a:t>
+                      </a:r>
+                      <a:r>
+                        <a:rPr lang="ko-KR" altLang="en-US" sz="1600" dirty="0">
+                          <a:solidFill>
+                            <a:schemeClr val="tx1"/>
+                          </a:solidFill>
+                          <a:latin typeface="Times New Roman" panose="02020603050405020304" pitchFamily="18" charset="0"/>
+                          <a:cs typeface="Times New Roman" panose="02020603050405020304" pitchFamily="18" charset="0"/>
+                        </a:rPr>
+                        <a:t>함수</a:t>
+                      </a:r>
+                      <a:endParaRPr lang="en-US" altLang="ko-KR" sz="1600" dirty="0">
+                        <a:solidFill>
+                          <a:schemeClr val="tx1"/>
+                        </a:solidFill>
+                        <a:latin typeface="Times New Roman" panose="02020603050405020304" pitchFamily="18" charset="0"/>
+                        <a:cs typeface="Times New Roman" panose="02020603050405020304" pitchFamily="18" charset="0"/>
+                      </a:endParaRPr>
+                    </a:p>
+                    <a:p>
+                      <a:r>
+                        <a:rPr lang="en-US" altLang="ko-KR" sz="1600" dirty="0">
+                          <a:solidFill>
+                            <a:schemeClr val="tx1"/>
+                          </a:solidFill>
+                          <a:latin typeface="Times New Roman" panose="02020603050405020304" pitchFamily="18" charset="0"/>
+                          <a:cs typeface="Times New Roman" panose="02020603050405020304" pitchFamily="18" charset="0"/>
+                        </a:rPr>
+                        <a:t>- </a:t>
+                      </a:r>
+                      <a:r>
+                        <a:rPr lang="ko-KR" altLang="en-US" sz="1600" dirty="0" err="1">
+                          <a:solidFill>
+                            <a:schemeClr val="tx1"/>
+                          </a:solidFill>
+                          <a:latin typeface="Times New Roman" panose="02020603050405020304" pitchFamily="18" charset="0"/>
+                          <a:cs typeface="Times New Roman" panose="02020603050405020304" pitchFamily="18" charset="0"/>
+                        </a:rPr>
+                        <a:t>윤년구하기</a:t>
+                      </a:r>
+                      <a:r>
+                        <a:rPr lang="en-US" altLang="ko-KR" sz="1600" dirty="0">
+                          <a:solidFill>
+                            <a:schemeClr val="tx1"/>
+                          </a:solidFill>
+                          <a:latin typeface="Times New Roman" panose="02020603050405020304" pitchFamily="18" charset="0"/>
+                          <a:cs typeface="Times New Roman" panose="02020603050405020304" pitchFamily="18" charset="0"/>
+                        </a:rPr>
+                        <a:t>(4, 100, 400)</a:t>
+                      </a:r>
+                    </a:p>
+                    <a:p>
+                      <a:r>
+                        <a:rPr lang="en-US" altLang="ko-KR" sz="1600" dirty="0">
+                          <a:solidFill>
+                            <a:schemeClr val="tx1"/>
+                          </a:solidFill>
+                          <a:latin typeface="Times New Roman" panose="02020603050405020304" pitchFamily="18" charset="0"/>
+                          <a:cs typeface="Times New Roman" panose="02020603050405020304" pitchFamily="18" charset="0"/>
+                        </a:rPr>
+                        <a:t>- </a:t>
+                      </a:r>
+                      <a:r>
+                        <a:rPr lang="ko-KR" altLang="en-US" sz="1600" dirty="0">
+                          <a:solidFill>
+                            <a:schemeClr val="tx1"/>
+                          </a:solidFill>
+                          <a:latin typeface="Times New Roman" panose="02020603050405020304" pitchFamily="18" charset="0"/>
+                          <a:cs typeface="Times New Roman" panose="02020603050405020304" pitchFamily="18" charset="0"/>
+                        </a:rPr>
+                        <a:t>직사각형 세 점의 좌표를 알 때</a:t>
+                      </a:r>
+                      <a:r>
+                        <a:rPr lang="en-US" altLang="ko-KR" sz="1600" dirty="0">
+                          <a:solidFill>
+                            <a:schemeClr val="tx1"/>
+                          </a:solidFill>
+                          <a:latin typeface="Times New Roman" panose="02020603050405020304" pitchFamily="18" charset="0"/>
+                          <a:cs typeface="Times New Roman" panose="02020603050405020304" pitchFamily="18" charset="0"/>
+                        </a:rPr>
+                        <a:t>, </a:t>
+                      </a:r>
+                      <a:r>
+                        <a:rPr lang="ko-KR" altLang="en-US" sz="1600" dirty="0">
+                          <a:solidFill>
+                            <a:schemeClr val="tx1"/>
+                          </a:solidFill>
+                          <a:latin typeface="Times New Roman" panose="02020603050405020304" pitchFamily="18" charset="0"/>
+                          <a:cs typeface="Times New Roman" panose="02020603050405020304" pitchFamily="18" charset="0"/>
+                        </a:rPr>
+                        <a:t>나머지 점 좌표</a:t>
+                      </a:r>
+                      <a:endParaRPr lang="en-US" altLang="ko-KR" sz="1600" dirty="0">
+                        <a:solidFill>
+                          <a:schemeClr val="tx1"/>
+                        </a:solidFill>
+                        <a:latin typeface="Times New Roman" panose="02020603050405020304" pitchFamily="18" charset="0"/>
+                        <a:cs typeface="Times New Roman" panose="02020603050405020304" pitchFamily="18" charset="0"/>
+                      </a:endParaRPr>
+                    </a:p>
+                    <a:p>
+                      <a:r>
+                        <a:rPr lang="en-US" altLang="ko-KR" sz="1600" dirty="0">
+                          <a:solidFill>
+                            <a:schemeClr val="tx1"/>
+                          </a:solidFill>
+                          <a:latin typeface="Times New Roman" panose="02020603050405020304" pitchFamily="18" charset="0"/>
+                          <a:cs typeface="Times New Roman" panose="02020603050405020304" pitchFamily="18" charset="0"/>
+                        </a:rPr>
+                        <a:t>- </a:t>
+                      </a:r>
+                      <a:r>
+                        <a:rPr lang="ko-KR" altLang="en-US" sz="1600" dirty="0">
+                          <a:solidFill>
+                            <a:schemeClr val="tx1"/>
+                          </a:solidFill>
+                          <a:latin typeface="Times New Roman" panose="02020603050405020304" pitchFamily="18" charset="0"/>
+                          <a:cs typeface="Times New Roman" panose="02020603050405020304" pitchFamily="18" charset="0"/>
+                        </a:rPr>
+                        <a:t>대소문자 전환</a:t>
+                      </a:r>
+                      <a:r>
+                        <a:rPr lang="en-US" altLang="ko-KR" sz="1600" dirty="0">
+                          <a:solidFill>
+                            <a:schemeClr val="tx1"/>
+                          </a:solidFill>
+                          <a:latin typeface="Times New Roman" panose="02020603050405020304" pitchFamily="18" charset="0"/>
+                          <a:cs typeface="Times New Roman" panose="02020603050405020304" pitchFamily="18" charset="0"/>
+                        </a:rPr>
+                        <a:t>(^32)</a:t>
+                      </a:r>
+                    </a:p>
+                    <a:p>
+                      <a:r>
+                        <a:rPr lang="en-US" altLang="ko-KR" sz="1600" dirty="0">
+                          <a:solidFill>
+                            <a:schemeClr val="tx1"/>
+                          </a:solidFill>
+                          <a:latin typeface="Times New Roman" panose="02020603050405020304" pitchFamily="18" charset="0"/>
+                          <a:cs typeface="Times New Roman" panose="02020603050405020304" pitchFamily="18" charset="0"/>
+                        </a:rPr>
+                        <a:t>- </a:t>
+                      </a:r>
+                      <a:r>
+                        <a:rPr lang="ko-KR" altLang="en-US" sz="1600" dirty="0">
+                          <a:solidFill>
+                            <a:schemeClr val="tx1"/>
+                          </a:solidFill>
+                          <a:latin typeface="Times New Roman" panose="02020603050405020304" pitchFamily="18" charset="0"/>
+                          <a:cs typeface="Times New Roman" panose="02020603050405020304" pitchFamily="18" charset="0"/>
+                        </a:rPr>
+                        <a:t>연속된 숫자에서 없는 값 찾기</a:t>
+                      </a:r>
+                      <a:endParaRPr lang="en-US" altLang="ko-KR" sz="1600" dirty="0">
+                        <a:solidFill>
+                          <a:schemeClr val="tx1"/>
+                        </a:solidFill>
+                        <a:latin typeface="Times New Roman" panose="02020603050405020304" pitchFamily="18" charset="0"/>
+                        <a:cs typeface="Times New Roman" panose="02020603050405020304" pitchFamily="18" charset="0"/>
+                      </a:endParaRPr>
+                    </a:p>
+                    <a:p>
+                      <a:r>
+                        <a:rPr lang="en-US" altLang="ko-KR" sz="1600" dirty="0">
+                          <a:solidFill>
+                            <a:schemeClr val="tx1"/>
+                          </a:solidFill>
+                          <a:latin typeface="Times New Roman" panose="02020603050405020304" pitchFamily="18" charset="0"/>
+                          <a:cs typeface="Times New Roman" panose="02020603050405020304" pitchFamily="18" charset="0"/>
+                        </a:rPr>
+                        <a:t>  (</a:t>
+                      </a:r>
+                      <a:r>
+                        <a:rPr lang="ko-KR" altLang="en-US" sz="1600" dirty="0">
+                          <a:solidFill>
+                            <a:schemeClr val="tx1"/>
+                          </a:solidFill>
+                          <a:latin typeface="Times New Roman" panose="02020603050405020304" pitchFamily="18" charset="0"/>
+                          <a:cs typeface="Times New Roman" panose="02020603050405020304" pitchFamily="18" charset="0"/>
+                        </a:rPr>
+                        <a:t>중복된 숫자들 중 개수가 다른 숫자 찾기</a:t>
+                      </a:r>
+                      <a:r>
+                        <a:rPr lang="en-US" altLang="ko-KR" sz="1600" dirty="0">
+                          <a:solidFill>
+                            <a:schemeClr val="tx1"/>
+                          </a:solidFill>
+                          <a:latin typeface="Times New Roman" panose="02020603050405020304" pitchFamily="18" charset="0"/>
+                          <a:cs typeface="Times New Roman" panose="02020603050405020304" pitchFamily="18" charset="0"/>
+                        </a:rPr>
+                        <a:t>)</a:t>
+                      </a:r>
+                      <a:endParaRPr lang="ko-KR" altLang="en-US" sz="1600" dirty="0">
+                        <a:solidFill>
+                          <a:schemeClr val="tx1"/>
+                        </a:solidFill>
+                        <a:latin typeface="Times New Roman" panose="02020603050405020304" pitchFamily="18" charset="0"/>
+                        <a:cs typeface="Times New Roman" panose="02020603050405020304" pitchFamily="18" charset="0"/>
+                      </a:endParaRPr>
+                    </a:p>
+                  </a:txBody>
+                  <a:tcPr>
+                    <a:lnL w="12700" cap="flat" cmpd="sng" algn="ctr">
+                      <a:solidFill>
+                        <a:schemeClr val="tx1"/>
+                      </a:solidFill>
+                      <a:prstDash val="solid"/>
+                      <a:round/>
+                      <a:headEnd type="none" w="med" len="med"/>
+                      <a:tailEnd type="none" w="med" len="med"/>
+                    </a:lnL>
+                    <a:lnR w="12700" cap="flat" cmpd="sng" algn="ctr">
+                      <a:solidFill>
+                        <a:schemeClr val="tx1"/>
+                      </a:solidFill>
+                      <a:prstDash val="solid"/>
+                      <a:round/>
+                      <a:headEnd type="none" w="med" len="med"/>
+                      <a:tailEnd type="none" w="med" len="med"/>
+                    </a:lnR>
+                    <a:lnT w="12700" cap="flat" cmpd="sng" algn="ctr">
+                      <a:solidFill>
+                        <a:schemeClr val="tx1"/>
+                      </a:solidFill>
+                      <a:prstDash val="solid"/>
+                      <a:round/>
+                      <a:headEnd type="none" w="med" len="med"/>
+                      <a:tailEnd type="none" w="med" len="med"/>
+                    </a:lnT>
+                    <a:lnB w="12700" cap="flat" cmpd="sng" algn="ctr">
+                      <a:solidFill>
+                        <a:schemeClr val="tx1"/>
+                      </a:solidFill>
+                      <a:prstDash val="solid"/>
+                      <a:round/>
+                      <a:headEnd type="none" w="med" len="med"/>
+                      <a:tailEnd type="none" w="med" len="med"/>
+                    </a:lnB>
+                    <a:lnTlToBr w="12700" cmpd="sng">
+                      <a:noFill/>
+                      <a:prstDash val="solid"/>
+                    </a:lnTlToBr>
+                    <a:lnBlToTr w="12700" cmpd="sng">
+                      <a:noFill/>
+                      <a:prstDash val="solid"/>
+                    </a:lnBlToTr>
+                    <a:noFill/>
+                  </a:tcPr>
+                </a:tc>
+                <a:extLst>
+                  <a:ext uri="{0D108BD9-81ED-4DB2-BD59-A6C34878D82A}">
+                    <a16:rowId xmlns:a16="http://schemas.microsoft.com/office/drawing/2014/main" val="4126198778"/>
+                  </a:ext>
+                </a:extLst>
+              </a:tr>
+            </a:tbl>
+          </a:graphicData>
+        </a:graphic>
+      </p:graphicFrame>
+      <p:graphicFrame>
+        <p:nvGraphicFramePr>
+          <p:cNvPr id="15" name="표 14">
+            <a:extLst>
+              <a:ext uri="{FF2B5EF4-FFF2-40B4-BE49-F238E27FC236}">
+                <a16:creationId xmlns:a16="http://schemas.microsoft.com/office/drawing/2014/main" id="{AE692B28-DF82-AC4F-DA15-1A9965E7B08E}"/>
+              </a:ext>
+            </a:extLst>
+          </p:cNvPr>
+          <p:cNvGraphicFramePr>
+            <a:graphicFrameLocks noGrp="1"/>
+          </p:cNvGraphicFramePr>
+          <p:nvPr>
+            <p:extLst>
+              <p:ext uri="{D42A27DB-BD31-4B8C-83A1-F6EECF244321}">
+                <p14:modId xmlns:p14="http://schemas.microsoft.com/office/powerpoint/2010/main" val="3988195836"/>
+              </p:ext>
+            </p:extLst>
+          </p:nvPr>
+        </p:nvGraphicFramePr>
+        <p:xfrm>
+          <a:off x="241700" y="3063929"/>
+          <a:ext cx="4830814" cy="461665"/>
+        </p:xfrm>
+        <a:graphic>
+          <a:graphicData uri="http://schemas.openxmlformats.org/drawingml/2006/table">
+            <a:tbl>
+              <a:tblPr firstRow="1" bandRow="1">
+                <a:tableStyleId>{5C22544A-7EE6-4342-B048-85BDC9FD1C3A}</a:tableStyleId>
+              </a:tblPr>
+              <a:tblGrid>
+                <a:gridCol w="4830814">
+                  <a:extLst>
+                    <a:ext uri="{9D8B030D-6E8A-4147-A177-3AD203B41FA5}">
+                      <a16:colId xmlns:a16="http://schemas.microsoft.com/office/drawing/2014/main" val="1427386122"/>
+                    </a:ext>
+                  </a:extLst>
+                </a:gridCol>
+              </a:tblGrid>
+              <a:tr h="461665">
+                <a:tc>
+                  <a:txBody>
+                    <a:bodyPr/>
+                    <a:lstStyle/>
+                    <a:p>
+                      <a:pPr fontAlgn="base"/>
+                      <a:r>
+                        <a:rPr lang="en-US" altLang="ko-KR" sz="1200" b="0" i="0" kern="1200" dirty="0">
+                          <a:solidFill>
+                            <a:schemeClr val="tx1"/>
+                          </a:solidFill>
+                          <a:effectLst/>
+                          <a:latin typeface="Times New Roman" panose="02020603050405020304" pitchFamily="18" charset="0"/>
+                          <a:ea typeface="+mn-ea"/>
+                          <a:cs typeface="Times New Roman" panose="02020603050405020304" pitchFamily="18" charset="0"/>
+                        </a:rPr>
+                        <a:t>Assume a</a:t>
+                      </a:r>
+                      <a:r>
+                        <a:rPr lang="en-US" altLang="ko-KR" sz="1200" b="0" i="0" kern="1200" baseline="-25000" dirty="0">
+                          <a:solidFill>
+                            <a:schemeClr val="tx1"/>
+                          </a:solidFill>
+                          <a:effectLst/>
+                          <a:latin typeface="Times New Roman" panose="02020603050405020304" pitchFamily="18" charset="0"/>
+                          <a:ea typeface="+mn-ea"/>
+                          <a:cs typeface="Times New Roman" panose="02020603050405020304" pitchFamily="18" charset="0"/>
+                        </a:rPr>
+                        <a:t>1</a:t>
+                      </a:r>
+                      <a:r>
+                        <a:rPr lang="en-US" altLang="ko-KR" sz="1200" b="0" i="0" kern="1200" dirty="0">
+                          <a:solidFill>
+                            <a:schemeClr val="tx1"/>
+                          </a:solidFill>
+                          <a:effectLst/>
+                          <a:latin typeface="Times New Roman" panose="02020603050405020304" pitchFamily="18" charset="0"/>
+                          <a:ea typeface="+mn-ea"/>
+                          <a:cs typeface="Times New Roman" panose="02020603050405020304" pitchFamily="18" charset="0"/>
+                        </a:rPr>
+                        <a:t> ⊕ a</a:t>
+                      </a:r>
+                      <a:r>
+                        <a:rPr lang="en-US" altLang="ko-KR" sz="1200" b="0" i="0" kern="1200" baseline="-25000" dirty="0">
+                          <a:solidFill>
+                            <a:schemeClr val="tx1"/>
+                          </a:solidFill>
+                          <a:effectLst/>
+                          <a:latin typeface="Times New Roman" panose="02020603050405020304" pitchFamily="18" charset="0"/>
+                          <a:ea typeface="+mn-ea"/>
+                          <a:cs typeface="Times New Roman" panose="02020603050405020304" pitchFamily="18" charset="0"/>
+                        </a:rPr>
+                        <a:t>2</a:t>
+                      </a:r>
+                      <a:r>
+                        <a:rPr lang="en-US" altLang="ko-KR" sz="1200" b="0" i="0" kern="1200" dirty="0">
+                          <a:solidFill>
+                            <a:schemeClr val="tx1"/>
+                          </a:solidFill>
+                          <a:effectLst/>
+                          <a:latin typeface="Times New Roman" panose="02020603050405020304" pitchFamily="18" charset="0"/>
+                          <a:ea typeface="+mn-ea"/>
+                          <a:cs typeface="Times New Roman" panose="02020603050405020304" pitchFamily="18" charset="0"/>
+                        </a:rPr>
+                        <a:t> ⊕ a</a:t>
+                      </a:r>
+                      <a:r>
+                        <a:rPr lang="en-US" altLang="ko-KR" sz="1200" b="0" i="0" kern="1200" baseline="-25000" dirty="0">
+                          <a:solidFill>
+                            <a:schemeClr val="tx1"/>
+                          </a:solidFill>
+                          <a:effectLst/>
+                          <a:latin typeface="Times New Roman" panose="02020603050405020304" pitchFamily="18" charset="0"/>
+                          <a:ea typeface="+mn-ea"/>
+                          <a:cs typeface="Times New Roman" panose="02020603050405020304" pitchFamily="18" charset="0"/>
+                        </a:rPr>
+                        <a:t>3</a:t>
+                      </a:r>
+                      <a:r>
+                        <a:rPr lang="en-US" altLang="ko-KR" sz="1200" b="0" i="0" kern="1200" dirty="0">
+                          <a:solidFill>
+                            <a:schemeClr val="tx1"/>
+                          </a:solidFill>
+                          <a:effectLst/>
+                          <a:latin typeface="Times New Roman" panose="02020603050405020304" pitchFamily="18" charset="0"/>
+                          <a:ea typeface="+mn-ea"/>
+                          <a:cs typeface="Times New Roman" panose="02020603050405020304" pitchFamily="18" charset="0"/>
+                        </a:rPr>
+                        <a:t> ⊕ . . . ⊕ a</a:t>
+                      </a:r>
+                      <a:r>
+                        <a:rPr lang="en-US" altLang="ko-KR" sz="1200" b="0" i="0" kern="1200" baseline="-25000" dirty="0">
+                          <a:solidFill>
+                            <a:schemeClr val="tx1"/>
+                          </a:solidFill>
+                          <a:effectLst/>
+                          <a:latin typeface="Times New Roman" panose="02020603050405020304" pitchFamily="18" charset="0"/>
+                          <a:ea typeface="+mn-ea"/>
+                          <a:cs typeface="Times New Roman" panose="02020603050405020304" pitchFamily="18" charset="0"/>
+                        </a:rPr>
+                        <a:t>n</a:t>
+                      </a:r>
+                      <a:r>
+                        <a:rPr lang="en-US" altLang="ko-KR" sz="1200" b="0" i="0" kern="1200" dirty="0">
+                          <a:solidFill>
+                            <a:schemeClr val="tx1"/>
+                          </a:solidFill>
+                          <a:effectLst/>
+                          <a:latin typeface="Times New Roman" panose="02020603050405020304" pitchFamily="18" charset="0"/>
+                          <a:ea typeface="+mn-ea"/>
+                          <a:cs typeface="Times New Roman" panose="02020603050405020304" pitchFamily="18" charset="0"/>
+                        </a:rPr>
+                        <a:t> = a and a</a:t>
+                      </a:r>
+                      <a:r>
+                        <a:rPr lang="en-US" altLang="ko-KR" sz="1200" b="0" i="0" kern="1200" baseline="-25000" dirty="0">
+                          <a:solidFill>
+                            <a:schemeClr val="tx1"/>
+                          </a:solidFill>
+                          <a:effectLst/>
+                          <a:latin typeface="Times New Roman" panose="02020603050405020304" pitchFamily="18" charset="0"/>
+                          <a:ea typeface="+mn-ea"/>
+                          <a:cs typeface="Times New Roman" panose="02020603050405020304" pitchFamily="18" charset="0"/>
+                        </a:rPr>
+                        <a:t>1</a:t>
+                      </a:r>
+                      <a:r>
+                        <a:rPr lang="en-US" altLang="ko-KR" sz="1200" b="0" i="0" kern="1200" dirty="0">
+                          <a:solidFill>
+                            <a:schemeClr val="tx1"/>
+                          </a:solidFill>
+                          <a:effectLst/>
+                          <a:latin typeface="Times New Roman" panose="02020603050405020304" pitchFamily="18" charset="0"/>
+                          <a:ea typeface="+mn-ea"/>
+                          <a:cs typeface="Times New Roman" panose="02020603050405020304" pitchFamily="18" charset="0"/>
+                        </a:rPr>
+                        <a:t> ⊕ a</a:t>
+                      </a:r>
+                      <a:r>
+                        <a:rPr lang="en-US" altLang="ko-KR" sz="1200" b="0" i="0" kern="1200" baseline="-25000" dirty="0">
+                          <a:solidFill>
+                            <a:schemeClr val="tx1"/>
+                          </a:solidFill>
+                          <a:effectLst/>
+                          <a:latin typeface="Times New Roman" panose="02020603050405020304" pitchFamily="18" charset="0"/>
+                          <a:ea typeface="+mn-ea"/>
+                          <a:cs typeface="Times New Roman" panose="02020603050405020304" pitchFamily="18" charset="0"/>
+                        </a:rPr>
+                        <a:t>2</a:t>
+                      </a:r>
+                      <a:r>
+                        <a:rPr lang="en-US" altLang="ko-KR" sz="1200" b="0" i="0" kern="1200" dirty="0">
+                          <a:solidFill>
+                            <a:schemeClr val="tx1"/>
+                          </a:solidFill>
+                          <a:effectLst/>
+                          <a:latin typeface="Times New Roman" panose="02020603050405020304" pitchFamily="18" charset="0"/>
+                          <a:ea typeface="+mn-ea"/>
+                          <a:cs typeface="Times New Roman" panose="02020603050405020304" pitchFamily="18" charset="0"/>
+                        </a:rPr>
+                        <a:t> ⊕ a</a:t>
+                      </a:r>
+                      <a:r>
+                        <a:rPr lang="en-US" altLang="ko-KR" sz="1200" b="0" i="0" kern="1200" baseline="-25000" dirty="0">
+                          <a:solidFill>
+                            <a:schemeClr val="tx1"/>
+                          </a:solidFill>
+                          <a:effectLst/>
+                          <a:latin typeface="Times New Roman" panose="02020603050405020304" pitchFamily="18" charset="0"/>
+                          <a:ea typeface="+mn-ea"/>
+                          <a:cs typeface="Times New Roman" panose="02020603050405020304" pitchFamily="18" charset="0"/>
+                        </a:rPr>
+                        <a:t>3</a:t>
+                      </a:r>
+                      <a:r>
+                        <a:rPr lang="en-US" altLang="ko-KR" sz="1200" b="0" i="0" kern="1200" dirty="0">
+                          <a:solidFill>
+                            <a:schemeClr val="tx1"/>
+                          </a:solidFill>
+                          <a:effectLst/>
+                          <a:latin typeface="Times New Roman" panose="02020603050405020304" pitchFamily="18" charset="0"/>
+                          <a:ea typeface="+mn-ea"/>
+                          <a:cs typeface="Times New Roman" panose="02020603050405020304" pitchFamily="18" charset="0"/>
+                        </a:rPr>
+                        <a:t> ⊕ . . . ⊕ a</a:t>
+                      </a:r>
+                      <a:r>
+                        <a:rPr lang="en-US" altLang="ko-KR" sz="1200" b="0" i="0" kern="1200" baseline="-25000" dirty="0">
+                          <a:solidFill>
+                            <a:schemeClr val="tx1"/>
+                          </a:solidFill>
+                          <a:effectLst/>
+                          <a:latin typeface="Times New Roman" panose="02020603050405020304" pitchFamily="18" charset="0"/>
+                          <a:ea typeface="+mn-ea"/>
+                          <a:cs typeface="Times New Roman" panose="02020603050405020304" pitchFamily="18" charset="0"/>
+                        </a:rPr>
+                        <a:t>n-1</a:t>
+                      </a:r>
+                      <a:r>
+                        <a:rPr lang="en-US" altLang="ko-KR" sz="1200" b="0" i="0" kern="1200" dirty="0">
+                          <a:solidFill>
+                            <a:schemeClr val="tx1"/>
+                          </a:solidFill>
+                          <a:effectLst/>
+                          <a:latin typeface="Times New Roman" panose="02020603050405020304" pitchFamily="18" charset="0"/>
+                          <a:ea typeface="+mn-ea"/>
+                          <a:cs typeface="Times New Roman" panose="02020603050405020304" pitchFamily="18" charset="0"/>
+                        </a:rPr>
+                        <a:t> = b</a:t>
+                      </a:r>
+                    </a:p>
+                    <a:p>
+                      <a:pPr fontAlgn="base"/>
+                      <a:r>
+                        <a:rPr lang="en-US" altLang="ko-KR" sz="1200" b="0" i="0" kern="1200" dirty="0">
+                          <a:solidFill>
+                            <a:schemeClr val="tx1"/>
+                          </a:solidFill>
+                          <a:effectLst/>
+                          <a:latin typeface="Times New Roman" panose="02020603050405020304" pitchFamily="18" charset="0"/>
+                          <a:ea typeface="+mn-ea"/>
+                          <a:cs typeface="Times New Roman" panose="02020603050405020304" pitchFamily="18" charset="0"/>
+                        </a:rPr>
+                        <a:t>Then a ⊕ b = a</a:t>
+                      </a:r>
+                      <a:r>
+                        <a:rPr lang="en-US" altLang="ko-KR" sz="1200" b="0" i="0" kern="1200" baseline="-25000" dirty="0">
+                          <a:solidFill>
+                            <a:schemeClr val="tx1"/>
+                          </a:solidFill>
+                          <a:effectLst/>
+                          <a:latin typeface="Times New Roman" panose="02020603050405020304" pitchFamily="18" charset="0"/>
+                          <a:ea typeface="+mn-ea"/>
+                          <a:cs typeface="Times New Roman" panose="02020603050405020304" pitchFamily="18" charset="0"/>
+                        </a:rPr>
+                        <a:t>n</a:t>
+                      </a:r>
+                      <a:endParaRPr lang="en-US" altLang="ko-KR" sz="1200" b="0" i="0" kern="1200" dirty="0">
+                        <a:solidFill>
+                          <a:schemeClr val="tx1"/>
+                        </a:solidFill>
+                        <a:effectLst/>
+                        <a:latin typeface="Times New Roman" panose="02020603050405020304" pitchFamily="18" charset="0"/>
+                        <a:ea typeface="+mn-ea"/>
+                        <a:cs typeface="Times New Roman" panose="02020603050405020304" pitchFamily="18" charset="0"/>
+                      </a:endParaRPr>
+                    </a:p>
+                  </a:txBody>
+                  <a:tcPr>
+                    <a:lnL w="12700" cap="flat" cmpd="sng" algn="ctr">
+                      <a:solidFill>
+                        <a:schemeClr val="tx1"/>
+                      </a:solidFill>
+                      <a:prstDash val="solid"/>
+                      <a:round/>
+                      <a:headEnd type="none" w="med" len="med"/>
+                      <a:tailEnd type="none" w="med" len="med"/>
+                    </a:lnL>
+                    <a:lnR w="12700" cap="flat" cmpd="sng" algn="ctr">
+                      <a:solidFill>
+                        <a:schemeClr val="tx1"/>
+                      </a:solidFill>
+                      <a:prstDash val="solid"/>
+                      <a:round/>
+                      <a:headEnd type="none" w="med" len="med"/>
+                      <a:tailEnd type="none" w="med" len="med"/>
+                    </a:lnR>
+                    <a:lnT w="12700" cap="flat" cmpd="sng" algn="ctr">
+                      <a:solidFill>
+                        <a:schemeClr val="tx1"/>
+                      </a:solidFill>
+                      <a:prstDash val="solid"/>
+                      <a:round/>
+                      <a:headEnd type="none" w="med" len="med"/>
+                      <a:tailEnd type="none" w="med" len="med"/>
+                    </a:lnT>
+                    <a:lnB w="12700" cap="flat" cmpd="sng" algn="ctr">
+                      <a:solidFill>
+                        <a:schemeClr val="tx1"/>
+                      </a:solidFill>
+                      <a:prstDash val="solid"/>
+                      <a:round/>
+                      <a:headEnd type="none" w="med" len="med"/>
+                      <a:tailEnd type="none" w="med" len="med"/>
+                    </a:lnB>
+                    <a:lnTlToBr w="12700" cmpd="sng">
+                      <a:noFill/>
+                      <a:prstDash val="solid"/>
+                    </a:lnTlToBr>
+                    <a:lnBlToTr w="12700" cmpd="sng">
+                      <a:noFill/>
+                      <a:prstDash val="solid"/>
+                    </a:lnBlToTr>
+                    <a:noFill/>
+                  </a:tcPr>
+                </a:tc>
+                <a:extLst>
+                  <a:ext uri="{0D108BD9-81ED-4DB2-BD59-A6C34878D82A}">
+                    <a16:rowId xmlns:a16="http://schemas.microsoft.com/office/drawing/2014/main" val="4126198778"/>
+                  </a:ext>
+                </a:extLst>
+              </a:tr>
+            </a:tbl>
+          </a:graphicData>
+        </a:graphic>
+      </p:graphicFrame>
+      <mc:AlternateContent xmlns:mc="http://schemas.openxmlformats.org/markup-compatibility/2006">
+        <mc:Choice xmlns:a14="http://schemas.microsoft.com/office/drawing/2010/main" Requires="a14">
+          <p:graphicFrame>
+            <p:nvGraphicFramePr>
+              <p:cNvPr id="3" name="표 2">
+                <a:extLst>
+                  <a:ext uri="{FF2B5EF4-FFF2-40B4-BE49-F238E27FC236}">
+                    <a16:creationId xmlns:a16="http://schemas.microsoft.com/office/drawing/2014/main" id="{AE6D1D21-AA00-C9FE-85DF-5675FA462C7D}"/>
+                  </a:ext>
+                </a:extLst>
+              </p:cNvPr>
+              <p:cNvGraphicFramePr>
+                <a:graphicFrameLocks noGrp="1"/>
+              </p:cNvGraphicFramePr>
+              <p:nvPr>
+                <p:extLst>
+                  <p:ext uri="{D42A27DB-BD31-4B8C-83A1-F6EECF244321}">
+                    <p14:modId xmlns:p14="http://schemas.microsoft.com/office/powerpoint/2010/main" val="300737183"/>
+                  </p:ext>
+                </p:extLst>
+              </p:nvPr>
+            </p:nvGraphicFramePr>
+            <p:xfrm>
+              <a:off x="2411394" y="1404075"/>
+              <a:ext cx="2661120" cy="1543055"/>
+            </p:xfrm>
+            <a:graphic>
+              <a:graphicData uri="http://schemas.openxmlformats.org/drawingml/2006/table">
+                <a:tbl>
+                  <a:tblPr firstRow="1" bandRow="1">
+                    <a:tableStyleId>{5C22544A-7EE6-4342-B048-85BDC9FD1C3A}</a:tableStyleId>
+                  </a:tblPr>
+                  <a:tblGrid>
+                    <a:gridCol w="2661120">
+                      <a:extLst>
+                        <a:ext uri="{9D8B030D-6E8A-4147-A177-3AD203B41FA5}">
+                          <a16:colId xmlns:a16="http://schemas.microsoft.com/office/drawing/2014/main" val="1427386122"/>
+                        </a:ext>
+                      </a:extLst>
+                    </a:gridCol>
+                  </a:tblGrid>
+                  <a:tr h="1543055">
+                    <a:tc>
+                      <a:txBody>
+                        <a:bodyPr/>
+                        <a:lstStyle/>
+                        <a:p>
+                          <a:pPr marL="0" marR="0" lvl="0" indent="0" algn="ctr" defTabSz="914400" rtl="0" eaLnBrk="1" fontAlgn="auto" latinLnBrk="1" hangingPunct="1">
+                            <a:lnSpc>
+                              <a:spcPct val="100000"/>
+                            </a:lnSpc>
+                            <a:spcBef>
+                              <a:spcPts val="0"/>
+                            </a:spcBef>
+                            <a:spcAft>
+                              <a:spcPts val="0"/>
+                            </a:spcAft>
+                            <a:buClrTx/>
+                            <a:buSzTx/>
+                            <a:buFontTx/>
+                            <a:buNone/>
+                            <a:tabLst/>
+                            <a:defRPr/>
+                          </a:pPr>
+                          <a:r>
+                            <a:rPr lang="en-US" altLang="ko-KR" sz="1200" dirty="0">
+                              <a:solidFill>
+                                <a:schemeClr val="tx1"/>
+                              </a:solidFill>
+                              <a:latin typeface="Times New Roman" panose="02020603050405020304" pitchFamily="18" charset="0"/>
+                              <a:cs typeface="Times New Roman" panose="02020603050405020304" pitchFamily="18" charset="0"/>
+                            </a:rPr>
+                            <a:t>N%2 == 0 </a:t>
+                          </a:r>
+                          <a:r>
+                            <a:rPr lang="en-US" altLang="ko-KR" sz="1200" dirty="0">
+                              <a:solidFill>
+                                <a:schemeClr val="tx1"/>
+                              </a:solidFill>
+                              <a:latin typeface="Times New Roman" panose="02020603050405020304" pitchFamily="18" charset="0"/>
+                              <a:cs typeface="Times New Roman" panose="02020603050405020304" pitchFamily="18" charset="0"/>
+                              <a:sym typeface="Wingdings" panose="05000000000000000000" pitchFamily="2" charset="2"/>
+                            </a:rPr>
+                            <a:t> N &amp; 1 == 0</a:t>
+                          </a:r>
+                        </a:p>
+                        <a:p>
+                          <a:pPr marL="0" marR="0" lvl="0" indent="0" algn="ctr" defTabSz="914400" rtl="0" eaLnBrk="1" fontAlgn="auto" latinLnBrk="1" hangingPunct="1">
+                            <a:lnSpc>
+                              <a:spcPct val="100000"/>
+                            </a:lnSpc>
+                            <a:spcBef>
+                              <a:spcPts val="0"/>
+                            </a:spcBef>
+                            <a:spcAft>
+                              <a:spcPts val="0"/>
+                            </a:spcAft>
+                            <a:buClrTx/>
+                            <a:buSzTx/>
+                            <a:buFontTx/>
+                            <a:buNone/>
+                            <a:tabLst/>
+                            <a:defRPr/>
+                          </a:pPr>
+                          <a:r>
+                            <a:rPr lang="en-US" altLang="ko-KR" sz="1200" dirty="0">
+                              <a:solidFill>
+                                <a:schemeClr val="tx1"/>
+                              </a:solidFill>
+                              <a:latin typeface="Times New Roman" panose="02020603050405020304" pitchFamily="18" charset="0"/>
+                              <a:cs typeface="Times New Roman" panose="02020603050405020304" pitchFamily="18" charset="0"/>
+                            </a:rPr>
+                            <a:t>N%4 == 0 </a:t>
+                          </a:r>
+                          <a:r>
+                            <a:rPr lang="en-US" altLang="ko-KR" sz="1200" dirty="0">
+                              <a:solidFill>
+                                <a:schemeClr val="tx1"/>
+                              </a:solidFill>
+                              <a:latin typeface="Times New Roman" panose="02020603050405020304" pitchFamily="18" charset="0"/>
+                              <a:cs typeface="Times New Roman" panose="02020603050405020304" pitchFamily="18" charset="0"/>
+                              <a:sym typeface="Wingdings" panose="05000000000000000000" pitchFamily="2" charset="2"/>
+                            </a:rPr>
+                            <a:t> N &amp; 3 == 0</a:t>
+                          </a:r>
+                        </a:p>
+                        <a:p>
+                          <a:pPr marL="0" marR="0" lvl="0" indent="0" algn="ctr" defTabSz="914400" rtl="0" eaLnBrk="1" fontAlgn="auto" latinLnBrk="1" hangingPunct="1">
+                            <a:lnSpc>
+                              <a:spcPct val="100000"/>
+                            </a:lnSpc>
+                            <a:spcBef>
+                              <a:spcPts val="0"/>
+                            </a:spcBef>
+                            <a:spcAft>
+                              <a:spcPts val="0"/>
+                            </a:spcAft>
+                            <a:buClrTx/>
+                            <a:buSzTx/>
+                            <a:buFontTx/>
+                            <a:buNone/>
+                            <a:tabLst/>
+                            <a:defRPr/>
+                          </a:pPr>
+                          <a:r>
+                            <a:rPr lang="en-US" altLang="ko-KR" sz="1200" dirty="0">
+                              <a:solidFill>
+                                <a:schemeClr val="tx1"/>
+                              </a:solidFill>
+                              <a:latin typeface="Times New Roman" panose="02020603050405020304" pitchFamily="18" charset="0"/>
+                              <a:cs typeface="Times New Roman" panose="02020603050405020304" pitchFamily="18" charset="0"/>
+                            </a:rPr>
+                            <a:t>N%8 == 0 </a:t>
+                          </a:r>
+                          <a:r>
+                            <a:rPr lang="en-US" altLang="ko-KR" sz="1200" dirty="0">
+                              <a:solidFill>
+                                <a:schemeClr val="tx1"/>
+                              </a:solidFill>
+                              <a:latin typeface="Times New Roman" panose="02020603050405020304" pitchFamily="18" charset="0"/>
+                              <a:cs typeface="Times New Roman" panose="02020603050405020304" pitchFamily="18" charset="0"/>
+                              <a:sym typeface="Wingdings" panose="05000000000000000000" pitchFamily="2" charset="2"/>
+                            </a:rPr>
+                            <a:t> N &amp; 7 == 0</a:t>
+                          </a:r>
+                        </a:p>
+                        <a:p>
+                          <a:pPr marL="0" marR="0" lvl="0" indent="0" algn="ctr" defTabSz="914400" rtl="0" eaLnBrk="1" fontAlgn="auto" latinLnBrk="1" hangingPunct="1">
+                            <a:lnSpc>
+                              <a:spcPct val="100000"/>
+                            </a:lnSpc>
+                            <a:spcBef>
+                              <a:spcPts val="0"/>
+                            </a:spcBef>
+                            <a:spcAft>
+                              <a:spcPts val="0"/>
+                            </a:spcAft>
+                            <a:buClrTx/>
+                            <a:buSzTx/>
+                            <a:buFontTx/>
+                            <a:buNone/>
+                            <a:tabLst/>
+                            <a:defRPr/>
+                          </a:pPr>
+                          <a:r>
+                            <a:rPr lang="en-US" altLang="ko-KR" sz="1200" dirty="0">
+                              <a:solidFill>
+                                <a:schemeClr val="tx1"/>
+                              </a:solidFill>
+                              <a:latin typeface="Times New Roman" panose="02020603050405020304" pitchFamily="18" charset="0"/>
+                              <a:cs typeface="Times New Roman" panose="02020603050405020304" pitchFamily="18" charset="0"/>
+                              <a:sym typeface="Wingdings" panose="05000000000000000000" pitchFamily="2" charset="2"/>
+                            </a:rPr>
+                            <a:t>∙</a:t>
+                          </a:r>
+                        </a:p>
+                        <a:p>
+                          <a:pPr marL="0" marR="0" lvl="0" indent="0" algn="ctr" defTabSz="914400" rtl="0" eaLnBrk="1" fontAlgn="auto" latinLnBrk="1" hangingPunct="1">
+                            <a:lnSpc>
+                              <a:spcPct val="100000"/>
+                            </a:lnSpc>
+                            <a:spcBef>
+                              <a:spcPts val="0"/>
+                            </a:spcBef>
+                            <a:spcAft>
+                              <a:spcPts val="0"/>
+                            </a:spcAft>
+                            <a:buClrTx/>
+                            <a:buSzTx/>
+                            <a:buFontTx/>
+                            <a:buNone/>
+                            <a:tabLst/>
+                            <a:defRPr/>
+                          </a:pPr>
+                          <a:r>
+                            <a:rPr lang="en-US" altLang="ko-KR" sz="1200" dirty="0">
+                              <a:solidFill>
+                                <a:schemeClr val="tx1"/>
+                              </a:solidFill>
+                              <a:latin typeface="Times New Roman" panose="02020603050405020304" pitchFamily="18" charset="0"/>
+                              <a:cs typeface="Times New Roman" panose="02020603050405020304" pitchFamily="18" charset="0"/>
+                              <a:sym typeface="Wingdings" panose="05000000000000000000" pitchFamily="2" charset="2"/>
+                            </a:rPr>
+                            <a:t>∙</a:t>
+                          </a:r>
+                        </a:p>
+                        <a:p>
+                          <a:pPr marL="0" marR="0" lvl="0" indent="0" algn="ctr" defTabSz="914400" rtl="0" eaLnBrk="1" fontAlgn="auto" latinLnBrk="1" hangingPunct="1">
+                            <a:lnSpc>
+                              <a:spcPct val="100000"/>
+                            </a:lnSpc>
+                            <a:spcBef>
+                              <a:spcPts val="0"/>
+                            </a:spcBef>
+                            <a:spcAft>
+                              <a:spcPts val="0"/>
+                            </a:spcAft>
+                            <a:buClrTx/>
+                            <a:buSzTx/>
+                            <a:buFontTx/>
+                            <a:buNone/>
+                            <a:tabLst/>
+                            <a:defRPr/>
+                          </a:pPr>
+                          <a:r>
+                            <a:rPr lang="en-US" altLang="ko-KR" sz="1200" dirty="0">
+                              <a:solidFill>
+                                <a:schemeClr val="tx1"/>
+                              </a:solidFill>
+                              <a:latin typeface="Times New Roman" panose="02020603050405020304" pitchFamily="18" charset="0"/>
+                              <a:cs typeface="Times New Roman" panose="02020603050405020304" pitchFamily="18" charset="0"/>
+                              <a:sym typeface="Wingdings" panose="05000000000000000000" pitchFamily="2" charset="2"/>
+                            </a:rPr>
+                            <a:t>∙</a:t>
+                          </a:r>
+                        </a:p>
+                        <a:p>
+                          <a:pPr marL="0" marR="0" lvl="0" indent="0" algn="ctr" defTabSz="914400" rtl="0" eaLnBrk="1" fontAlgn="auto" latinLnBrk="1" hangingPunct="1">
+                            <a:lnSpc>
+                              <a:spcPct val="100000"/>
+                            </a:lnSpc>
+                            <a:spcBef>
+                              <a:spcPts val="0"/>
+                            </a:spcBef>
+                            <a:spcAft>
+                              <a:spcPts val="0"/>
+                            </a:spcAft>
+                            <a:buClrTx/>
+                            <a:buSzTx/>
+                            <a:buFontTx/>
+                            <a:buNone/>
+                            <a:tabLst/>
+                            <a:defRPr/>
+                          </a:pPr>
+                          <a:r>
+                            <a:rPr lang="en-US" altLang="ko-KR" sz="1200" dirty="0">
+                              <a:solidFill>
+                                <a:schemeClr val="tx1"/>
+                              </a:solidFill>
+                              <a:latin typeface="Times New Roman" panose="02020603050405020304" pitchFamily="18" charset="0"/>
+                              <a:cs typeface="Times New Roman" panose="02020603050405020304" pitchFamily="18" charset="0"/>
+                            </a:rPr>
+                            <a:t>N%</a:t>
+                          </a:r>
+                          <a14:m>
+                            <m:oMath xmlns:m="http://schemas.openxmlformats.org/officeDocument/2006/math">
+                              <m:sSup>
+                                <m:sSupPr>
+                                  <m:ctrlPr>
+                                    <a:rPr lang="en-US" altLang="ko-KR" sz="1200" smtClean="0">
+                                      <a:solidFill>
+                                        <a:schemeClr val="tx1"/>
+                                      </a:solidFill>
+                                      <a:latin typeface="Cambria Math" panose="02040503050406030204" pitchFamily="18" charset="0"/>
+                                    </a:rPr>
+                                  </m:ctrlPr>
+                                </m:sSupPr>
+                                <m:e>
+                                  <m:r>
+                                    <a:rPr lang="en-US" altLang="ko-KR" sz="1200" smtClean="0">
+                                      <a:solidFill>
+                                        <a:schemeClr val="tx1"/>
+                                      </a:solidFill>
+                                      <a:latin typeface="Cambria Math" panose="02040503050406030204" pitchFamily="18" charset="0"/>
+                                    </a:rPr>
+                                    <m:t>2</m:t>
+                                  </m:r>
+                                </m:e>
+                                <m:sup>
+                                  <m:r>
+                                    <a:rPr lang="en-US" altLang="ko-KR" sz="1200" i="1" smtClean="0">
+                                      <a:solidFill>
+                                        <a:schemeClr val="tx1"/>
+                                      </a:solidFill>
+                                      <a:latin typeface="Cambria Math" panose="02040503050406030204" pitchFamily="18" charset="0"/>
+                                    </a:rPr>
+                                    <m:t>𝑛</m:t>
+                                  </m:r>
+                                </m:sup>
+                              </m:sSup>
+                            </m:oMath>
+                          </a14:m>
+                          <a:r>
+                            <a:rPr lang="en-US" altLang="ko-KR" sz="1200" dirty="0">
+                              <a:solidFill>
+                                <a:schemeClr val="tx1"/>
+                              </a:solidFill>
+                              <a:latin typeface="Times New Roman" panose="02020603050405020304" pitchFamily="18" charset="0"/>
+                              <a:cs typeface="Times New Roman" panose="02020603050405020304" pitchFamily="18" charset="0"/>
+                            </a:rPr>
+                            <a:t> == 0 </a:t>
+                          </a:r>
+                          <a:r>
+                            <a:rPr lang="en-US" altLang="ko-KR" sz="1200" dirty="0">
+                              <a:solidFill>
+                                <a:schemeClr val="tx1"/>
+                              </a:solidFill>
+                              <a:latin typeface="Times New Roman" panose="02020603050405020304" pitchFamily="18" charset="0"/>
+                              <a:cs typeface="Times New Roman" panose="02020603050405020304" pitchFamily="18" charset="0"/>
+                              <a:sym typeface="Wingdings" panose="05000000000000000000" pitchFamily="2" charset="2"/>
+                            </a:rPr>
+                            <a:t> N &amp; </a:t>
+                          </a:r>
+                          <a14:m>
+                            <m:oMath xmlns:m="http://schemas.openxmlformats.org/officeDocument/2006/math">
+                              <m:sSup>
+                                <m:sSupPr>
+                                  <m:ctrlPr>
+                                    <a:rPr lang="en-US" altLang="ko-KR" sz="1200" dirty="0" smtClean="0">
+                                      <a:solidFill>
+                                        <a:schemeClr val="tx1"/>
+                                      </a:solidFill>
+                                      <a:latin typeface="Cambria Math" panose="02040503050406030204" pitchFamily="18" charset="0"/>
+                                      <a:sym typeface="Wingdings" panose="05000000000000000000" pitchFamily="2" charset="2"/>
+                                    </a:rPr>
+                                  </m:ctrlPr>
+                                </m:sSupPr>
+                                <m:e>
+                                  <m:r>
+                                    <a:rPr lang="en-US" altLang="ko-KR" sz="1200" dirty="0" smtClean="0">
+                                      <a:solidFill>
+                                        <a:schemeClr val="tx1"/>
+                                      </a:solidFill>
+                                      <a:latin typeface="Cambria Math" panose="02040503050406030204" pitchFamily="18" charset="0"/>
+                                      <a:sym typeface="Wingdings" panose="05000000000000000000" pitchFamily="2" charset="2"/>
+                                    </a:rPr>
+                                    <m:t>2</m:t>
+                                  </m:r>
+                                </m:e>
+                                <m:sup>
+                                  <m:r>
+                                    <a:rPr lang="en-US" altLang="ko-KR" sz="1200" i="1" dirty="0" smtClean="0">
+                                      <a:solidFill>
+                                        <a:schemeClr val="tx1"/>
+                                      </a:solidFill>
+                                      <a:latin typeface="Cambria Math" panose="02040503050406030204" pitchFamily="18" charset="0"/>
+                                      <a:sym typeface="Wingdings" panose="05000000000000000000" pitchFamily="2" charset="2"/>
+                                    </a:rPr>
+                                    <m:t>𝑛</m:t>
+                                  </m:r>
+                                  <m:r>
+                                    <a:rPr lang="en-US" altLang="ko-KR" sz="1200" i="0" dirty="0" smtClean="0">
+                                      <a:solidFill>
+                                        <a:schemeClr val="tx1"/>
+                                      </a:solidFill>
+                                      <a:latin typeface="Cambria Math" panose="02040503050406030204" pitchFamily="18" charset="0"/>
+                                      <a:sym typeface="Wingdings" panose="05000000000000000000" pitchFamily="2" charset="2"/>
+                                    </a:rPr>
+                                    <m:t>−1</m:t>
+                                  </m:r>
+                                </m:sup>
+                              </m:sSup>
+                            </m:oMath>
+                          </a14:m>
+                          <a:r>
+                            <a:rPr lang="en-US" altLang="ko-KR" sz="1200" dirty="0">
+                              <a:solidFill>
+                                <a:schemeClr val="tx1"/>
+                              </a:solidFill>
+                              <a:latin typeface="Times New Roman" panose="02020603050405020304" pitchFamily="18" charset="0"/>
+                              <a:cs typeface="Times New Roman" panose="02020603050405020304" pitchFamily="18" charset="0"/>
+                              <a:sym typeface="Wingdings" panose="05000000000000000000" pitchFamily="2" charset="2"/>
+                            </a:rPr>
+                            <a:t> == 0</a:t>
+                          </a:r>
+                        </a:p>
+                      </a:txBody>
+                      <a:tcPr>
+                        <a:lnL w="12700" cap="flat" cmpd="sng" algn="ctr">
+                          <a:solidFill>
+                            <a:schemeClr val="tx1"/>
+                          </a:solidFill>
+                          <a:prstDash val="solid"/>
+                          <a:round/>
+                          <a:headEnd type="none" w="med" len="med"/>
+                          <a:tailEnd type="none" w="med" len="med"/>
+                        </a:lnL>
+                        <a:lnR w="12700" cap="flat" cmpd="sng" algn="ctr">
+                          <a:solidFill>
+                            <a:schemeClr val="tx1"/>
+                          </a:solidFill>
+                          <a:prstDash val="solid"/>
+                          <a:round/>
+                          <a:headEnd type="none" w="med" len="med"/>
+                          <a:tailEnd type="none" w="med" len="med"/>
+                        </a:lnR>
+                        <a:lnT w="12700" cap="flat" cmpd="sng" algn="ctr">
+                          <a:solidFill>
+                            <a:schemeClr val="tx1"/>
+                          </a:solidFill>
+                          <a:prstDash val="solid"/>
+                          <a:round/>
+                          <a:headEnd type="none" w="med" len="med"/>
+                          <a:tailEnd type="none" w="med" len="med"/>
+                        </a:lnT>
+                        <a:lnB w="12700" cap="flat" cmpd="sng" algn="ctr">
+                          <a:solidFill>
+                            <a:schemeClr val="tx1"/>
+                          </a:solidFill>
+                          <a:prstDash val="solid"/>
+                          <a:round/>
+                          <a:headEnd type="none" w="med" len="med"/>
+                          <a:tailEnd type="none" w="med" len="med"/>
+                        </a:lnB>
+                        <a:lnTlToBr w="12700" cmpd="sng">
+                          <a:noFill/>
+                          <a:prstDash val="solid"/>
+                        </a:lnTlToBr>
+                        <a:lnBlToTr w="12700" cmpd="sng">
+                          <a:noFill/>
+                          <a:prstDash val="solid"/>
+                        </a:lnBlToTr>
+                        <a:noFill/>
+                      </a:tcPr>
+                    </a:tc>
+                    <a:extLst>
+                      <a:ext uri="{0D108BD9-81ED-4DB2-BD59-A6C34878D82A}">
+                        <a16:rowId xmlns:a16="http://schemas.microsoft.com/office/drawing/2014/main" val="4126198778"/>
+                      </a:ext>
+                    </a:extLst>
+                  </a:tr>
+                </a:tbl>
+              </a:graphicData>
+            </a:graphic>
+          </p:graphicFrame>
+        </mc:Choice>
+        <mc:Fallback>
+          <p:graphicFrame>
+            <p:nvGraphicFramePr>
+              <p:cNvPr id="3" name="표 2">
+                <a:extLst>
+                  <a:ext uri="{FF2B5EF4-FFF2-40B4-BE49-F238E27FC236}">
+                    <a16:creationId xmlns:a16="http://schemas.microsoft.com/office/drawing/2014/main" id="{AE6D1D21-AA00-C9FE-85DF-5675FA462C7D}"/>
+                  </a:ext>
+                </a:extLst>
+              </p:cNvPr>
+              <p:cNvGraphicFramePr>
+                <a:graphicFrameLocks noGrp="1"/>
+              </p:cNvGraphicFramePr>
+              <p:nvPr>
+                <p:extLst>
+                  <p:ext uri="{D42A27DB-BD31-4B8C-83A1-F6EECF244321}">
+                    <p14:modId xmlns:p14="http://schemas.microsoft.com/office/powerpoint/2010/main" val="300737183"/>
+                  </p:ext>
+                </p:extLst>
+              </p:nvPr>
+            </p:nvGraphicFramePr>
+            <p:xfrm>
+              <a:off x="2411394" y="1404075"/>
+              <a:ext cx="2661120" cy="1543055"/>
+            </p:xfrm>
+            <a:graphic>
+              <a:graphicData uri="http://schemas.openxmlformats.org/drawingml/2006/table">
+                <a:tbl>
+                  <a:tblPr firstRow="1" bandRow="1">
+                    <a:tableStyleId>{5C22544A-7EE6-4342-B048-85BDC9FD1C3A}</a:tableStyleId>
+                  </a:tblPr>
+                  <a:tblGrid>
+                    <a:gridCol w="2661120">
+                      <a:extLst>
+                        <a:ext uri="{9D8B030D-6E8A-4147-A177-3AD203B41FA5}">
+                          <a16:colId xmlns:a16="http://schemas.microsoft.com/office/drawing/2014/main" val="1427386122"/>
+                        </a:ext>
+                      </a:extLst>
+                    </a:gridCol>
+                  </a:tblGrid>
+                  <a:tr h="1543055">
+                    <a:tc>
+                      <a:txBody>
+                        <a:bodyPr/>
+                        <a:lstStyle/>
+                        <a:p>
+                          <a:endParaRPr lang="ko-KR"/>
+                        </a:p>
+                      </a:txBody>
+                      <a:tcPr>
+                        <a:lnL w="12700" cap="flat" cmpd="sng" algn="ctr">
+                          <a:solidFill>
+                            <a:schemeClr val="tx1"/>
+                          </a:solidFill>
+                          <a:prstDash val="solid"/>
+                          <a:round/>
+                          <a:headEnd type="none" w="med" len="med"/>
+                          <a:tailEnd type="none" w="med" len="med"/>
+                        </a:lnL>
+                        <a:lnR w="12700" cap="flat" cmpd="sng" algn="ctr">
+                          <a:solidFill>
+                            <a:schemeClr val="tx1"/>
+                          </a:solidFill>
+                          <a:prstDash val="solid"/>
+                          <a:round/>
+                          <a:headEnd type="none" w="med" len="med"/>
+                          <a:tailEnd type="none" w="med" len="med"/>
+                        </a:lnR>
+                        <a:lnT w="12700" cap="flat" cmpd="sng" algn="ctr">
+                          <a:solidFill>
+                            <a:schemeClr val="tx1"/>
+                          </a:solidFill>
+                          <a:prstDash val="solid"/>
+                          <a:round/>
+                          <a:headEnd type="none" w="med" len="med"/>
+                          <a:tailEnd type="none" w="med" len="med"/>
+                        </a:lnT>
+                        <a:lnB w="12700" cap="flat" cmpd="sng" algn="ctr">
+                          <a:solidFill>
+                            <a:schemeClr val="tx1"/>
+                          </a:solidFill>
+                          <a:prstDash val="solid"/>
+                          <a:round/>
+                          <a:headEnd type="none" w="med" len="med"/>
+                          <a:tailEnd type="none" w="med" len="med"/>
+                        </a:lnB>
+                        <a:lnTlToBr w="12700" cmpd="sng">
+                          <a:noFill/>
+                          <a:prstDash val="solid"/>
+                        </a:lnTlToBr>
+                        <a:lnBlToTr w="12700" cmpd="sng">
+                          <a:noFill/>
+                          <a:prstDash val="solid"/>
+                        </a:lnBlToTr>
+                        <a:blipFill>
+                          <a:blip r:embed="rId3"/>
+                          <a:stretch>
+                            <a:fillRect l="-228" t="-394" r="-457" b="-787"/>
+                          </a:stretch>
+                        </a:blipFill>
+                      </a:tcPr>
+                    </a:tc>
+                    <a:extLst>
+                      <a:ext uri="{0D108BD9-81ED-4DB2-BD59-A6C34878D82A}">
+                        <a16:rowId xmlns:a16="http://schemas.microsoft.com/office/drawing/2014/main" val="4126198778"/>
+                      </a:ext>
+                    </a:extLst>
+                  </a:tr>
+                </a:tbl>
+              </a:graphicData>
+            </a:graphic>
+          </p:graphicFrame>
+        </mc:Fallback>
+      </mc:AlternateContent>
+    </p:spTree>
+    <p:extLst>
+      <p:ext uri="{BB962C8B-B14F-4D97-AF65-F5344CB8AC3E}">
+        <p14:creationId xmlns:p14="http://schemas.microsoft.com/office/powerpoint/2010/main" val="4142975063"/>
+      </p:ext>
+    </p:extLst>
+  </p:cSld>
+  <p:clrMapOvr>
+    <a:masterClrMapping/>
+  </p:clrMapOvr>
+</p:sld>
+</file>
+
+<file path=ppt/slides/slide17.xml><?xml version="1.0" encoding="utf-8"?>
+<p:sld xmlns:a="http://schemas.openxmlformats.org/drawingml/2006/main" xmlns:r="http://schemas.openxmlformats.org/officeDocument/2006/relationships" xmlns:p="http://schemas.openxmlformats.org/presentationml/2006/main">
+  <p:cSld>
+    <p:spTree>
+      <p:nvGrpSpPr>
+        <p:cNvPr id="1" name=""/>
+        <p:cNvGrpSpPr/>
+        <p:nvPr/>
+      </p:nvGrpSpPr>
+      <p:grpSpPr>
+        <a:xfrm>
+          <a:off x="0" y="0"/>
+          <a:ext cx="0" cy="0"/>
+          <a:chOff x="0" y="0"/>
+          <a:chExt cx="0" cy="0"/>
+        </a:xfrm>
+      </p:grpSpPr>
+      <p:sp>
+        <p:nvSpPr>
+          <p:cNvPr id="2" name="TextBox 1">
+            <a:extLst>
+              <a:ext uri="{FF2B5EF4-FFF2-40B4-BE49-F238E27FC236}">
+                <a16:creationId xmlns:a16="http://schemas.microsoft.com/office/drawing/2014/main" id="{5BB25941-8132-8202-BB61-F035D24C90CF}"/>
+              </a:ext>
+            </a:extLst>
+          </p:cNvPr>
+          <p:cNvSpPr txBox="1"/>
+          <p:nvPr/>
+        </p:nvSpPr>
+        <p:spPr>
+          <a:xfrm>
+            <a:off x="123824" y="808289"/>
+            <a:ext cx="3399021" cy="461665"/>
+          </a:xfrm>
+          <a:prstGeom prst="rect">
+            <a:avLst/>
+          </a:prstGeom>
+          <a:noFill/>
+        </p:spPr>
+        <p:txBody>
+          <a:bodyPr wrap="square" rtlCol="0">
+            <a:spAutoFit/>
+          </a:bodyPr>
+          <a:lstStyle/>
+          <a:p>
+            <a:r>
+              <a:rPr lang="en-US" altLang="ko-KR" sz="2400" dirty="0">
+                <a:latin typeface="Times New Roman" panose="02020603050405020304" pitchFamily="18" charset="0"/>
+                <a:cs typeface="Times New Roman" panose="02020603050405020304" pitchFamily="18" charset="0"/>
+              </a:rPr>
+              <a:t>■ XOR Principle</a:t>
+            </a:r>
+          </a:p>
+        </p:txBody>
+      </p:sp>
+      <p:sp>
+        <p:nvSpPr>
+          <p:cNvPr id="4" name="TextBox 3">
+            <a:extLst>
+              <a:ext uri="{FF2B5EF4-FFF2-40B4-BE49-F238E27FC236}">
+                <a16:creationId xmlns:a16="http://schemas.microsoft.com/office/drawing/2014/main" id="{433BF28E-3AFF-C552-FAE2-309559E95E58}"/>
+              </a:ext>
+            </a:extLst>
+          </p:cNvPr>
+          <p:cNvSpPr txBox="1"/>
+          <p:nvPr/>
+        </p:nvSpPr>
+        <p:spPr>
+          <a:xfrm>
+            <a:off x="123824" y="-22708"/>
+            <a:ext cx="7450722" cy="830997"/>
+          </a:xfrm>
+          <a:prstGeom prst="rect">
+            <a:avLst/>
+          </a:prstGeom>
+          <a:noFill/>
+        </p:spPr>
+        <p:txBody>
+          <a:bodyPr wrap="square" rtlCol="0">
+            <a:spAutoFit/>
+          </a:bodyPr>
+          <a:lstStyle/>
+          <a:p>
+            <a:r>
+              <a:rPr lang="en-US" altLang="ko-KR" sz="4800" dirty="0">
+                <a:solidFill>
+                  <a:schemeClr val="bg1"/>
+                </a:solidFill>
+                <a:latin typeface="Times New Roman" panose="02020603050405020304" pitchFamily="18" charset="0"/>
+                <a:cs typeface="Times New Roman" panose="02020603050405020304" pitchFamily="18" charset="0"/>
+              </a:rPr>
+              <a:t>Bitfield</a:t>
+            </a:r>
+            <a:endParaRPr lang="ko-KR" altLang="en-US" sz="4800" dirty="0">
+              <a:solidFill>
+                <a:schemeClr val="bg1"/>
+              </a:solidFill>
+              <a:latin typeface="Times New Roman" panose="02020603050405020304" pitchFamily="18" charset="0"/>
+              <a:cs typeface="Times New Roman" panose="02020603050405020304" pitchFamily="18" charset="0"/>
+            </a:endParaRPr>
+          </a:p>
+        </p:txBody>
+      </p:sp>
+      <mc:AlternateContent xmlns:mc="http://schemas.openxmlformats.org/markup-compatibility/2006">
+        <mc:Choice xmlns:a14="http://schemas.microsoft.com/office/drawing/2010/main" Requires="a14">
+          <p:graphicFrame>
+            <p:nvGraphicFramePr>
+              <p:cNvPr id="7" name="표 6">
+                <a:extLst>
+                  <a:ext uri="{FF2B5EF4-FFF2-40B4-BE49-F238E27FC236}">
+                    <a16:creationId xmlns:a16="http://schemas.microsoft.com/office/drawing/2014/main" id="{A97F9569-BC7C-C6D2-0FDE-271C9451AF82}"/>
+                  </a:ext>
+                </a:extLst>
+              </p:cNvPr>
+              <p:cNvGraphicFramePr>
+                <a:graphicFrameLocks noGrp="1"/>
+              </p:cNvGraphicFramePr>
+              <p:nvPr/>
+            </p:nvGraphicFramePr>
+            <p:xfrm>
+              <a:off x="241699" y="1392650"/>
+              <a:ext cx="1972111" cy="1554480"/>
+            </p:xfrm>
+            <a:graphic>
+              <a:graphicData uri="http://schemas.openxmlformats.org/drawingml/2006/table">
+                <a:tbl>
+                  <a:tblPr firstRow="1" bandRow="1">
+                    <a:tableStyleId>{5C22544A-7EE6-4342-B048-85BDC9FD1C3A}</a:tableStyleId>
+                  </a:tblPr>
+                  <a:tblGrid>
+                    <a:gridCol w="1972111">
+                      <a:extLst>
+                        <a:ext uri="{9D8B030D-6E8A-4147-A177-3AD203B41FA5}">
+                          <a16:colId xmlns:a16="http://schemas.microsoft.com/office/drawing/2014/main" val="1427386122"/>
+                        </a:ext>
+                      </a:extLst>
+                    </a:gridCol>
+                  </a:tblGrid>
+                  <a:tr h="1543055">
+                    <a:tc>
+                      <a:txBody>
+                        <a:bodyPr/>
+                        <a:lstStyle/>
+                        <a:p>
+                          <a:pPr marL="0" marR="0" lvl="0" indent="0" algn="ctr" defTabSz="914400" rtl="0" eaLnBrk="1" fontAlgn="auto" latinLnBrk="1" hangingPunct="1">
+                            <a:lnSpc>
+                              <a:spcPct val="100000"/>
+                            </a:lnSpc>
+                            <a:spcBef>
+                              <a:spcPts val="0"/>
+                            </a:spcBef>
+                            <a:spcAft>
+                              <a:spcPts val="0"/>
+                            </a:spcAft>
+                            <a:buClrTx/>
+                            <a:buSzTx/>
+                            <a:buFontTx/>
+                            <a:buNone/>
+                            <a:tabLst/>
+                            <a:defRPr/>
+                          </a:pPr>
+                          <a:r>
+                            <a:rPr lang="en-US" altLang="ko-KR" sz="1200" baseline="0" dirty="0">
+                              <a:solidFill>
+                                <a:schemeClr val="tx1"/>
+                              </a:solidFill>
+                              <a:latin typeface="Times New Roman" panose="02020603050405020304" pitchFamily="18" charset="0"/>
+                              <a:cs typeface="Times New Roman" panose="02020603050405020304" pitchFamily="18" charset="0"/>
+                            </a:rPr>
+                            <a:t>0 </a:t>
+                          </a:r>
+                          <a14:m>
+                            <m:oMath xmlns:m="http://schemas.openxmlformats.org/officeDocument/2006/math">
+                              <m:r>
+                                <a:rPr lang="en-US" altLang="ko-KR" sz="1200" dirty="0" smtClean="0">
+                                  <a:solidFill>
+                                    <a:schemeClr val="tx1"/>
+                                  </a:solidFill>
+                                  <a:latin typeface="Cambria Math" panose="02040503050406030204" pitchFamily="18" charset="0"/>
+                                </a:rPr>
+                                <m:t>⊕</m:t>
+                              </m:r>
+                            </m:oMath>
+                          </a14:m>
+                          <a:r>
+                            <a:rPr lang="en-US" altLang="ko-KR" sz="1200" dirty="0">
+                              <a:solidFill>
+                                <a:schemeClr val="tx1"/>
+                              </a:solidFill>
+                              <a:latin typeface="Times New Roman" panose="02020603050405020304" pitchFamily="18" charset="0"/>
+                              <a:cs typeface="Times New Roman" panose="02020603050405020304" pitchFamily="18" charset="0"/>
+                            </a:rPr>
+                            <a:t> 0</a:t>
+                          </a:r>
+                          <a:r>
+                            <a:rPr lang="en-US" altLang="ko-KR" sz="1200" baseline="0" dirty="0">
+                              <a:solidFill>
+                                <a:schemeClr val="tx1"/>
+                              </a:solidFill>
+                              <a:latin typeface="Times New Roman" panose="02020603050405020304" pitchFamily="18" charset="0"/>
+                              <a:cs typeface="Times New Roman" panose="02020603050405020304" pitchFamily="18" charset="0"/>
+                            </a:rPr>
+                            <a:t> = 0</a:t>
+                          </a:r>
+                          <a:endParaRPr lang="ko-KR" altLang="en-US" sz="1200" dirty="0">
+                            <a:solidFill>
+                              <a:schemeClr val="tx1"/>
+                            </a:solidFill>
+                            <a:latin typeface="Times New Roman" panose="02020603050405020304" pitchFamily="18" charset="0"/>
+                            <a:cs typeface="Times New Roman" panose="02020603050405020304" pitchFamily="18" charset="0"/>
+                          </a:endParaRPr>
+                        </a:p>
+                        <a:p>
+                          <a:pPr algn="ctr"/>
+                          <a:r>
+                            <a:rPr lang="en-US" altLang="ko-KR" sz="1200" baseline="0" dirty="0">
+                              <a:solidFill>
+                                <a:schemeClr val="tx1"/>
+                              </a:solidFill>
+                              <a:latin typeface="Times New Roman" panose="02020603050405020304" pitchFamily="18" charset="0"/>
+                              <a:cs typeface="Times New Roman" panose="02020603050405020304" pitchFamily="18" charset="0"/>
+                            </a:rPr>
+                            <a:t>0 </a:t>
+                          </a:r>
+                          <a14:m>
+                            <m:oMath xmlns:m="http://schemas.openxmlformats.org/officeDocument/2006/math">
+                              <m:r>
+                                <a:rPr lang="en-US" altLang="ko-KR" sz="1200" dirty="0" smtClean="0">
+                                  <a:solidFill>
+                                    <a:schemeClr val="tx1"/>
+                                  </a:solidFill>
+                                  <a:latin typeface="Cambria Math" panose="02040503050406030204" pitchFamily="18" charset="0"/>
+                                </a:rPr>
+                                <m:t>⊕</m:t>
+                              </m:r>
+                            </m:oMath>
+                          </a14:m>
+                          <a:r>
+                            <a:rPr lang="en-US" altLang="ko-KR" sz="1200" dirty="0">
+                              <a:solidFill>
+                                <a:schemeClr val="tx1"/>
+                              </a:solidFill>
+                              <a:latin typeface="Times New Roman" panose="02020603050405020304" pitchFamily="18" charset="0"/>
+                              <a:cs typeface="Times New Roman" panose="02020603050405020304" pitchFamily="18" charset="0"/>
+                            </a:rPr>
+                            <a:t> 1</a:t>
+                          </a:r>
+                          <a:r>
+                            <a:rPr lang="en-US" altLang="ko-KR" sz="1200" baseline="0" dirty="0">
+                              <a:solidFill>
+                                <a:schemeClr val="tx1"/>
+                              </a:solidFill>
+                              <a:latin typeface="Times New Roman" panose="02020603050405020304" pitchFamily="18" charset="0"/>
+                              <a:cs typeface="Times New Roman" panose="02020603050405020304" pitchFamily="18" charset="0"/>
+                            </a:rPr>
+                            <a:t> = 1</a:t>
+                          </a:r>
+                        </a:p>
+                        <a:p>
+                          <a:pPr algn="ctr"/>
+                          <a:r>
+                            <a:rPr lang="en-US" altLang="ko-KR" sz="1200" baseline="0" dirty="0">
+                              <a:solidFill>
+                                <a:schemeClr val="tx1"/>
+                              </a:solidFill>
+                              <a:latin typeface="Times New Roman" panose="02020603050405020304" pitchFamily="18" charset="0"/>
+                              <a:cs typeface="Times New Roman" panose="02020603050405020304" pitchFamily="18" charset="0"/>
+                            </a:rPr>
+                            <a:t>1 </a:t>
+                          </a:r>
+                          <a14:m>
+                            <m:oMath xmlns:m="http://schemas.openxmlformats.org/officeDocument/2006/math">
+                              <m:r>
+                                <a:rPr lang="en-US" altLang="ko-KR" sz="1200" dirty="0" smtClean="0">
+                                  <a:solidFill>
+                                    <a:schemeClr val="tx1"/>
+                                  </a:solidFill>
+                                  <a:latin typeface="Cambria Math" panose="02040503050406030204" pitchFamily="18" charset="0"/>
+                                </a:rPr>
+                                <m:t>⊕</m:t>
+                              </m:r>
+                            </m:oMath>
+                          </a14:m>
+                          <a:r>
+                            <a:rPr lang="en-US" altLang="ko-KR" sz="1200" dirty="0">
+                              <a:solidFill>
+                                <a:schemeClr val="tx1"/>
+                              </a:solidFill>
+                              <a:latin typeface="Times New Roman" panose="02020603050405020304" pitchFamily="18" charset="0"/>
+                              <a:cs typeface="Times New Roman" panose="02020603050405020304" pitchFamily="18" charset="0"/>
+                            </a:rPr>
+                            <a:t> 0</a:t>
+                          </a:r>
+                          <a:r>
+                            <a:rPr lang="en-US" altLang="ko-KR" sz="1200" baseline="0" dirty="0">
+                              <a:solidFill>
+                                <a:schemeClr val="tx1"/>
+                              </a:solidFill>
+                              <a:latin typeface="Times New Roman" panose="02020603050405020304" pitchFamily="18" charset="0"/>
+                              <a:cs typeface="Times New Roman" panose="02020603050405020304" pitchFamily="18" charset="0"/>
+                            </a:rPr>
+                            <a:t> = 1</a:t>
+                          </a:r>
+                        </a:p>
+                        <a:p>
+                          <a:pPr algn="ctr"/>
+                          <a:r>
+                            <a:rPr lang="en-US" altLang="ko-KR" sz="1200" baseline="0" dirty="0">
+                              <a:solidFill>
+                                <a:schemeClr val="tx1"/>
+                              </a:solidFill>
+                              <a:latin typeface="Times New Roman" panose="02020603050405020304" pitchFamily="18" charset="0"/>
+                              <a:cs typeface="Times New Roman" panose="02020603050405020304" pitchFamily="18" charset="0"/>
+                            </a:rPr>
+                            <a:t>1 </a:t>
+                          </a:r>
+                          <a14:m>
+                            <m:oMath xmlns:m="http://schemas.openxmlformats.org/officeDocument/2006/math">
+                              <m:r>
+                                <a:rPr lang="en-US" altLang="ko-KR" sz="1200" dirty="0" smtClean="0">
+                                  <a:solidFill>
+                                    <a:schemeClr val="tx1"/>
+                                  </a:solidFill>
+                                  <a:latin typeface="Cambria Math" panose="02040503050406030204" pitchFamily="18" charset="0"/>
+                                </a:rPr>
+                                <m:t>⊕</m:t>
+                              </m:r>
+                            </m:oMath>
+                          </a14:m>
+                          <a:r>
+                            <a:rPr lang="en-US" altLang="ko-KR" sz="1200" dirty="0">
+                              <a:solidFill>
+                                <a:schemeClr val="tx1"/>
+                              </a:solidFill>
+                              <a:latin typeface="Times New Roman" panose="02020603050405020304" pitchFamily="18" charset="0"/>
+                              <a:cs typeface="Times New Roman" panose="02020603050405020304" pitchFamily="18" charset="0"/>
+                            </a:rPr>
+                            <a:t> 1</a:t>
+                          </a:r>
+                          <a:r>
+                            <a:rPr lang="en-US" altLang="ko-KR" sz="1200" baseline="0" dirty="0">
+                              <a:solidFill>
+                                <a:schemeClr val="tx1"/>
+                              </a:solidFill>
+                              <a:latin typeface="Times New Roman" panose="02020603050405020304" pitchFamily="18" charset="0"/>
+                              <a:cs typeface="Times New Roman" panose="02020603050405020304" pitchFamily="18" charset="0"/>
+                            </a:rPr>
+                            <a:t> = 0</a:t>
+                          </a:r>
+                          <a:endParaRPr lang="en-US" altLang="ko-KR" sz="1200" b="1" dirty="0">
+                            <a:solidFill>
+                              <a:schemeClr val="tx1"/>
+                            </a:solidFill>
+                            <a:latin typeface="Times New Roman" panose="02020603050405020304" pitchFamily="18" charset="0"/>
+                          </a:endParaRPr>
+                        </a:p>
+                        <a:p>
+                          <a:pPr algn="ctr"/>
+                          <a:endParaRPr lang="en-US" altLang="ko-KR" sz="1200" dirty="0">
+                            <a:solidFill>
+                              <a:schemeClr val="tx1"/>
+                            </a:solidFill>
+                            <a:latin typeface="Times New Roman" panose="02020603050405020304" pitchFamily="18" charset="0"/>
+                            <a:cs typeface="Times New Roman" panose="02020603050405020304" pitchFamily="18" charset="0"/>
+                          </a:endParaRPr>
+                        </a:p>
+                        <a:p>
+                          <a:pPr algn="ctr"/>
+                          <a:r>
+                            <a:rPr lang="en-US" altLang="ko-KR" sz="1200" dirty="0">
+                              <a:solidFill>
+                                <a:schemeClr val="tx1"/>
+                              </a:solidFill>
+                              <a:latin typeface="Times New Roman" panose="02020603050405020304" pitchFamily="18" charset="0"/>
+                              <a:cs typeface="Times New Roman" panose="02020603050405020304" pitchFamily="18" charset="0"/>
+                            </a:rPr>
+                            <a:t>A </a:t>
+                          </a:r>
+                          <a14:m>
+                            <m:oMath xmlns:m="http://schemas.openxmlformats.org/officeDocument/2006/math">
+                              <m:r>
+                                <a:rPr lang="en-US" altLang="ko-KR" sz="1200" dirty="0" smtClean="0">
+                                  <a:solidFill>
+                                    <a:schemeClr val="tx1"/>
+                                  </a:solidFill>
+                                  <a:latin typeface="Cambria Math" panose="02040503050406030204" pitchFamily="18" charset="0"/>
+                                </a:rPr>
+                                <m:t>⊕</m:t>
+                              </m:r>
+                              <m:r>
+                                <a:rPr lang="en-US" altLang="ko-KR" sz="1200" b="1" i="0" dirty="0" smtClean="0">
+                                  <a:solidFill>
+                                    <a:schemeClr val="tx1"/>
+                                  </a:solidFill>
+                                  <a:latin typeface="Cambria Math" panose="02040503050406030204" pitchFamily="18" charset="0"/>
+                                </a:rPr>
+                                <m:t> </m:t>
+                              </m:r>
+                            </m:oMath>
+                          </a14:m>
+                          <a:r>
+                            <a:rPr lang="en-US" altLang="ko-KR" sz="1200" dirty="0">
+                              <a:solidFill>
+                                <a:schemeClr val="tx1"/>
+                              </a:solidFill>
+                              <a:latin typeface="Times New Roman" panose="02020603050405020304" pitchFamily="18" charset="0"/>
+                              <a:cs typeface="Times New Roman" panose="02020603050405020304" pitchFamily="18" charset="0"/>
+                            </a:rPr>
+                            <a:t>A </a:t>
+                          </a:r>
+                          <a:r>
+                            <a:rPr lang="en-US" altLang="ko-KR" sz="1200" baseline="0" dirty="0">
+                              <a:solidFill>
+                                <a:schemeClr val="tx1"/>
+                              </a:solidFill>
+                              <a:latin typeface="Times New Roman" panose="02020603050405020304" pitchFamily="18" charset="0"/>
+                              <a:cs typeface="Times New Roman" panose="02020603050405020304" pitchFamily="18" charset="0"/>
+                            </a:rPr>
+                            <a:t> = 0</a:t>
+                          </a:r>
+                        </a:p>
+                        <a:p>
+                          <a:pPr algn="ctr"/>
+                          <a:r>
+                            <a:rPr lang="en-US" altLang="ko-KR" sz="1200" baseline="0" dirty="0">
+                              <a:solidFill>
+                                <a:schemeClr val="tx1"/>
+                              </a:solidFill>
+                              <a:latin typeface="Times New Roman" panose="02020603050405020304" pitchFamily="18" charset="0"/>
+                              <a:cs typeface="Times New Roman" panose="02020603050405020304" pitchFamily="18" charset="0"/>
+                            </a:rPr>
+                            <a:t>0 </a:t>
+                          </a:r>
+                          <a14:m>
+                            <m:oMath xmlns:m="http://schemas.openxmlformats.org/officeDocument/2006/math">
+                              <m:r>
+                                <a:rPr lang="en-US" altLang="ko-KR" sz="1200" dirty="0" smtClean="0">
+                                  <a:solidFill>
+                                    <a:schemeClr val="tx1"/>
+                                  </a:solidFill>
+                                  <a:latin typeface="Cambria Math" panose="02040503050406030204" pitchFamily="18" charset="0"/>
+                                </a:rPr>
+                                <m:t>⊕</m:t>
+                              </m:r>
+                              <m:r>
+                                <a:rPr lang="en-US" altLang="ko-KR" sz="1200" b="1" i="0" dirty="0" smtClean="0">
+                                  <a:solidFill>
+                                    <a:schemeClr val="tx1"/>
+                                  </a:solidFill>
+                                  <a:latin typeface="Cambria Math" panose="02040503050406030204" pitchFamily="18" charset="0"/>
+                                </a:rPr>
+                                <m:t> </m:t>
+                              </m:r>
+                            </m:oMath>
+                          </a14:m>
+                          <a:r>
+                            <a:rPr lang="en-US" altLang="ko-KR" sz="1200" dirty="0">
+                              <a:solidFill>
+                                <a:schemeClr val="tx1"/>
+                              </a:solidFill>
+                              <a:latin typeface="Times New Roman" panose="02020603050405020304" pitchFamily="18" charset="0"/>
+                              <a:cs typeface="Times New Roman" panose="02020603050405020304" pitchFamily="18" charset="0"/>
+                            </a:rPr>
+                            <a:t>A </a:t>
+                          </a:r>
+                          <a:r>
+                            <a:rPr lang="en-US" altLang="ko-KR" sz="1200" baseline="0" dirty="0">
+                              <a:solidFill>
+                                <a:schemeClr val="tx1"/>
+                              </a:solidFill>
+                              <a:latin typeface="Times New Roman" panose="02020603050405020304" pitchFamily="18" charset="0"/>
+                              <a:cs typeface="Times New Roman" panose="02020603050405020304" pitchFamily="18" charset="0"/>
+                            </a:rPr>
+                            <a:t> = A</a:t>
+                          </a:r>
+                        </a:p>
+                        <a:p>
+                          <a:pPr algn="ctr"/>
+                          <a:r>
+                            <a:rPr lang="en-US" altLang="ko-KR" sz="1200" dirty="0">
+                              <a:solidFill>
+                                <a:schemeClr val="tx1"/>
+                              </a:solidFill>
+                              <a:latin typeface="Times New Roman" panose="02020603050405020304" pitchFamily="18" charset="0"/>
+                              <a:cs typeface="Times New Roman" panose="02020603050405020304" pitchFamily="18" charset="0"/>
+                            </a:rPr>
+                            <a:t>A </a:t>
+                          </a:r>
+                          <a14:m>
+                            <m:oMath xmlns:m="http://schemas.openxmlformats.org/officeDocument/2006/math">
+                              <m:r>
+                                <a:rPr lang="en-US" altLang="ko-KR" sz="1200" dirty="0" smtClean="0">
+                                  <a:solidFill>
+                                    <a:schemeClr val="tx1"/>
+                                  </a:solidFill>
+                                  <a:latin typeface="Cambria Math" panose="02040503050406030204" pitchFamily="18" charset="0"/>
+                                </a:rPr>
+                                <m:t>⊕</m:t>
+                              </m:r>
+                            </m:oMath>
+                          </a14:m>
+                          <a:r>
+                            <a:rPr lang="en-US" altLang="ko-KR" sz="1200" dirty="0">
+                              <a:solidFill>
+                                <a:schemeClr val="tx1"/>
+                              </a:solidFill>
+                              <a:latin typeface="Times New Roman" panose="02020603050405020304" pitchFamily="18" charset="0"/>
+                              <a:cs typeface="Times New Roman" panose="02020603050405020304" pitchFamily="18" charset="0"/>
+                            </a:rPr>
+                            <a:t> B</a:t>
+                          </a:r>
+                          <a:r>
+                            <a:rPr lang="en-US" altLang="ko-KR" sz="1200" baseline="0" dirty="0">
+                              <a:solidFill>
+                                <a:schemeClr val="tx1"/>
+                              </a:solidFill>
+                              <a:latin typeface="Times New Roman" panose="02020603050405020304" pitchFamily="18" charset="0"/>
+                              <a:cs typeface="Times New Roman" panose="02020603050405020304" pitchFamily="18" charset="0"/>
+                            </a:rPr>
+                            <a:t>= C </a:t>
+                          </a:r>
+                          <a:r>
+                            <a:rPr lang="en-US" altLang="ko-KR" sz="1200" baseline="0" dirty="0">
+                              <a:solidFill>
+                                <a:schemeClr val="tx1"/>
+                              </a:solidFill>
+                              <a:latin typeface="Times New Roman" panose="02020603050405020304" pitchFamily="18" charset="0"/>
+                              <a:cs typeface="Times New Roman" panose="02020603050405020304" pitchFamily="18" charset="0"/>
+                              <a:sym typeface="Wingdings" panose="05000000000000000000" pitchFamily="2" charset="2"/>
+                            </a:rPr>
+                            <a:t> </a:t>
+                          </a:r>
+                          <a:r>
+                            <a:rPr lang="en-US" altLang="ko-KR" sz="1200" dirty="0">
+                              <a:solidFill>
+                                <a:schemeClr val="tx1"/>
+                              </a:solidFill>
+                              <a:latin typeface="Times New Roman" panose="02020603050405020304" pitchFamily="18" charset="0"/>
+                              <a:cs typeface="Times New Roman" panose="02020603050405020304" pitchFamily="18" charset="0"/>
+                            </a:rPr>
+                            <a:t>A </a:t>
+                          </a:r>
+                          <a14:m>
+                            <m:oMath xmlns:m="http://schemas.openxmlformats.org/officeDocument/2006/math">
+                              <m:r>
+                                <a:rPr lang="en-US" altLang="ko-KR" sz="1200" dirty="0" smtClean="0">
+                                  <a:solidFill>
+                                    <a:schemeClr val="tx1"/>
+                                  </a:solidFill>
+                                  <a:latin typeface="Cambria Math" panose="02040503050406030204" pitchFamily="18" charset="0"/>
+                                </a:rPr>
+                                <m:t>⊕</m:t>
+                              </m:r>
+                            </m:oMath>
+                          </a14:m>
+                          <a:r>
+                            <a:rPr lang="en-US" altLang="ko-KR" sz="1200" dirty="0">
+                              <a:solidFill>
+                                <a:schemeClr val="tx1"/>
+                              </a:solidFill>
+                              <a:latin typeface="Times New Roman" panose="02020603050405020304" pitchFamily="18" charset="0"/>
+                              <a:cs typeface="Times New Roman" panose="02020603050405020304" pitchFamily="18" charset="0"/>
+                            </a:rPr>
+                            <a:t> C</a:t>
+                          </a:r>
+                          <a:r>
+                            <a:rPr lang="en-US" altLang="ko-KR" sz="1200" baseline="0" dirty="0">
+                              <a:solidFill>
+                                <a:schemeClr val="tx1"/>
+                              </a:solidFill>
+                              <a:latin typeface="Times New Roman" panose="02020603050405020304" pitchFamily="18" charset="0"/>
+                              <a:cs typeface="Times New Roman" panose="02020603050405020304" pitchFamily="18" charset="0"/>
+                            </a:rPr>
+                            <a:t>= B</a:t>
+                          </a:r>
+                          <a:endParaRPr lang="ko-KR" altLang="en-US" sz="1200" dirty="0">
+                            <a:solidFill>
+                              <a:schemeClr val="tx1"/>
+                            </a:solidFill>
+                            <a:latin typeface="Times New Roman" panose="02020603050405020304" pitchFamily="18" charset="0"/>
+                            <a:cs typeface="Times New Roman" panose="02020603050405020304" pitchFamily="18" charset="0"/>
+                          </a:endParaRPr>
+                        </a:p>
+                      </a:txBody>
+                      <a:tcPr>
+                        <a:lnL w="12700" cap="flat" cmpd="sng" algn="ctr">
+                          <a:solidFill>
+                            <a:schemeClr val="tx1"/>
+                          </a:solidFill>
+                          <a:prstDash val="solid"/>
+                          <a:round/>
+                          <a:headEnd type="none" w="med" len="med"/>
+                          <a:tailEnd type="none" w="med" len="med"/>
+                        </a:lnL>
+                        <a:lnR w="12700" cap="flat" cmpd="sng" algn="ctr">
+                          <a:solidFill>
+                            <a:schemeClr val="tx1"/>
+                          </a:solidFill>
+                          <a:prstDash val="solid"/>
+                          <a:round/>
+                          <a:headEnd type="none" w="med" len="med"/>
+                          <a:tailEnd type="none" w="med" len="med"/>
+                        </a:lnR>
+                        <a:lnT w="12700" cap="flat" cmpd="sng" algn="ctr">
+                          <a:solidFill>
+                            <a:schemeClr val="tx1"/>
+                          </a:solidFill>
+                          <a:prstDash val="solid"/>
+                          <a:round/>
+                          <a:headEnd type="none" w="med" len="med"/>
+                          <a:tailEnd type="none" w="med" len="med"/>
+                        </a:lnT>
+                        <a:lnB w="12700" cap="flat" cmpd="sng" algn="ctr">
+                          <a:solidFill>
+                            <a:schemeClr val="tx1"/>
+                          </a:solidFill>
+                          <a:prstDash val="solid"/>
+                          <a:round/>
+                          <a:headEnd type="none" w="med" len="med"/>
+                          <a:tailEnd type="none" w="med" len="med"/>
+                        </a:lnB>
+                        <a:lnTlToBr w="12700" cmpd="sng">
+                          <a:noFill/>
+                          <a:prstDash val="solid"/>
+                        </a:lnTlToBr>
+                        <a:lnBlToTr w="12700" cmpd="sng">
+                          <a:noFill/>
+                          <a:prstDash val="solid"/>
+                        </a:lnBlToTr>
+                        <a:noFill/>
+                      </a:tcPr>
+                    </a:tc>
+                    <a:extLst>
+                      <a:ext uri="{0D108BD9-81ED-4DB2-BD59-A6C34878D82A}">
+                        <a16:rowId xmlns:a16="http://schemas.microsoft.com/office/drawing/2014/main" val="4126198778"/>
+                      </a:ext>
+                    </a:extLst>
+                  </a:tr>
+                </a:tbl>
+              </a:graphicData>
+            </a:graphic>
+          </p:graphicFrame>
+        </mc:Choice>
+        <mc:Fallback>
+          <p:graphicFrame>
+            <p:nvGraphicFramePr>
+              <p:cNvPr id="7" name="표 6">
+                <a:extLst>
+                  <a:ext uri="{FF2B5EF4-FFF2-40B4-BE49-F238E27FC236}">
+                    <a16:creationId xmlns:a16="http://schemas.microsoft.com/office/drawing/2014/main" id="{A97F9569-BC7C-C6D2-0FDE-271C9451AF82}"/>
+                  </a:ext>
+                </a:extLst>
+              </p:cNvPr>
+              <p:cNvGraphicFramePr>
+                <a:graphicFrameLocks noGrp="1"/>
+              </p:cNvGraphicFramePr>
+              <p:nvPr/>
+            </p:nvGraphicFramePr>
+            <p:xfrm>
+              <a:off x="241699" y="1392650"/>
+              <a:ext cx="1972111" cy="1554480"/>
+            </p:xfrm>
+            <a:graphic>
+              <a:graphicData uri="http://schemas.openxmlformats.org/drawingml/2006/table">
+                <a:tbl>
+                  <a:tblPr firstRow="1" bandRow="1">
+                    <a:tableStyleId>{5C22544A-7EE6-4342-B048-85BDC9FD1C3A}</a:tableStyleId>
+                  </a:tblPr>
+                  <a:tblGrid>
+                    <a:gridCol w="1972111">
+                      <a:extLst>
+                        <a:ext uri="{9D8B030D-6E8A-4147-A177-3AD203B41FA5}">
+                          <a16:colId xmlns:a16="http://schemas.microsoft.com/office/drawing/2014/main" val="1427386122"/>
+                        </a:ext>
+                      </a:extLst>
+                    </a:gridCol>
+                  </a:tblGrid>
+                  <a:tr h="1554480">
+                    <a:tc>
+                      <a:txBody>
+                        <a:bodyPr/>
+                        <a:lstStyle/>
+                        <a:p>
+                          <a:endParaRPr lang="ko-KR"/>
+                        </a:p>
+                      </a:txBody>
+                      <a:tcPr>
+                        <a:lnL w="12700" cap="flat" cmpd="sng" algn="ctr">
+                          <a:solidFill>
+                            <a:schemeClr val="tx1"/>
+                          </a:solidFill>
+                          <a:prstDash val="solid"/>
+                          <a:round/>
+                          <a:headEnd type="none" w="med" len="med"/>
+                          <a:tailEnd type="none" w="med" len="med"/>
+                        </a:lnL>
+                        <a:lnR w="12700" cap="flat" cmpd="sng" algn="ctr">
+                          <a:solidFill>
+                            <a:schemeClr val="tx1"/>
+                          </a:solidFill>
+                          <a:prstDash val="solid"/>
+                          <a:round/>
+                          <a:headEnd type="none" w="med" len="med"/>
+                          <a:tailEnd type="none" w="med" len="med"/>
+                        </a:lnR>
+                        <a:lnT w="12700" cap="flat" cmpd="sng" algn="ctr">
+                          <a:solidFill>
+                            <a:schemeClr val="tx1"/>
+                          </a:solidFill>
+                          <a:prstDash val="solid"/>
+                          <a:round/>
+                          <a:headEnd type="none" w="med" len="med"/>
+                          <a:tailEnd type="none" w="med" len="med"/>
+                        </a:lnT>
+                        <a:lnB w="12700" cap="flat" cmpd="sng" algn="ctr">
+                          <a:solidFill>
+                            <a:schemeClr val="tx1"/>
+                          </a:solidFill>
+                          <a:prstDash val="solid"/>
+                          <a:round/>
+                          <a:headEnd type="none" w="med" len="med"/>
+                          <a:tailEnd type="none" w="med" len="med"/>
+                        </a:lnB>
+                        <a:lnTlToBr w="12700" cmpd="sng">
+                          <a:noFill/>
+                          <a:prstDash val="solid"/>
+                        </a:lnTlToBr>
+                        <a:lnBlToTr w="12700" cmpd="sng">
+                          <a:noFill/>
+                          <a:prstDash val="solid"/>
+                        </a:lnBlToTr>
+                        <a:blipFill>
+                          <a:blip r:embed="rId2"/>
+                          <a:stretch>
+                            <a:fillRect l="-308" t="-391" r="-615" b="-2734"/>
+                          </a:stretch>
+                        </a:blipFill>
+                      </a:tcPr>
+                    </a:tc>
+                    <a:extLst>
+                      <a:ext uri="{0D108BD9-81ED-4DB2-BD59-A6C34878D82A}">
+                        <a16:rowId xmlns:a16="http://schemas.microsoft.com/office/drawing/2014/main" val="4126198778"/>
+                      </a:ext>
+                    </a:extLst>
+                  </a:tr>
+                </a:tbl>
+              </a:graphicData>
+            </a:graphic>
+          </p:graphicFrame>
+        </mc:Fallback>
+      </mc:AlternateContent>
+      <p:sp>
+        <p:nvSpPr>
+          <p:cNvPr id="8" name="TextBox 7">
+            <a:extLst>
+              <a:ext uri="{FF2B5EF4-FFF2-40B4-BE49-F238E27FC236}">
+                <a16:creationId xmlns:a16="http://schemas.microsoft.com/office/drawing/2014/main" id="{0AC05CE7-8DAE-B499-2C33-EA33349AAE58}"/>
+              </a:ext>
+            </a:extLst>
+          </p:cNvPr>
+          <p:cNvSpPr txBox="1"/>
+          <p:nvPr/>
+        </p:nvSpPr>
+        <p:spPr>
+          <a:xfrm>
+            <a:off x="5161847" y="824526"/>
+            <a:ext cx="2505477" cy="461665"/>
+          </a:xfrm>
+          <a:prstGeom prst="rect">
+            <a:avLst/>
+          </a:prstGeom>
+          <a:noFill/>
+        </p:spPr>
+        <p:txBody>
+          <a:bodyPr wrap="square" rtlCol="0">
+            <a:spAutoFit/>
+          </a:bodyPr>
+          <a:lstStyle/>
+          <a:p>
+            <a:r>
+              <a:rPr lang="en-US" altLang="ko-KR" sz="2400" dirty="0">
+                <a:latin typeface="Times New Roman" panose="02020603050405020304" pitchFamily="18" charset="0"/>
+                <a:cs typeface="Times New Roman" panose="02020603050405020304" pitchFamily="18" charset="0"/>
+              </a:rPr>
+              <a:t>■ Where to use</a:t>
+            </a:r>
+          </a:p>
+        </p:txBody>
+      </p:sp>
+      <p:graphicFrame>
+        <p:nvGraphicFramePr>
+          <p:cNvPr id="9" name="표 8">
+            <a:extLst>
+              <a:ext uri="{FF2B5EF4-FFF2-40B4-BE49-F238E27FC236}">
+                <a16:creationId xmlns:a16="http://schemas.microsoft.com/office/drawing/2014/main" id="{9C266657-4740-8092-07AD-4F300A85A0E9}"/>
+              </a:ext>
+            </a:extLst>
+          </p:cNvPr>
+          <p:cNvGraphicFramePr>
+            <a:graphicFrameLocks noGrp="1"/>
+          </p:cNvGraphicFramePr>
+          <p:nvPr/>
+        </p:nvGraphicFramePr>
+        <p:xfrm>
+          <a:off x="5270098" y="1408887"/>
+          <a:ext cx="4617454" cy="2116707"/>
+        </p:xfrm>
+        <a:graphic>
+          <a:graphicData uri="http://schemas.openxmlformats.org/drawingml/2006/table">
+            <a:tbl>
+              <a:tblPr firstRow="1" bandRow="1">
+                <a:tableStyleId>{5C22544A-7EE6-4342-B048-85BDC9FD1C3A}</a:tableStyleId>
+              </a:tblPr>
+              <a:tblGrid>
+                <a:gridCol w="4617454">
+                  <a:extLst>
+                    <a:ext uri="{9D8B030D-6E8A-4147-A177-3AD203B41FA5}">
+                      <a16:colId xmlns:a16="http://schemas.microsoft.com/office/drawing/2014/main" val="1427386122"/>
+                    </a:ext>
+                  </a:extLst>
+                </a:gridCol>
+              </a:tblGrid>
+              <a:tr h="2116707">
+                <a:tc>
+                  <a:txBody>
+                    <a:bodyPr/>
+                    <a:lstStyle/>
+                    <a:p>
+                      <a:r>
+                        <a:rPr lang="en-US" altLang="ko-KR" sz="1600" dirty="0">
+                          <a:solidFill>
+                            <a:schemeClr val="tx1"/>
+                          </a:solidFill>
+                          <a:latin typeface="Times New Roman" panose="02020603050405020304" pitchFamily="18" charset="0"/>
+                          <a:cs typeface="Times New Roman" panose="02020603050405020304" pitchFamily="18" charset="0"/>
+                        </a:rPr>
+                        <a:t>- Swap </a:t>
+                      </a:r>
+                      <a:r>
+                        <a:rPr lang="ko-KR" altLang="en-US" sz="1600" dirty="0">
+                          <a:solidFill>
+                            <a:schemeClr val="tx1"/>
+                          </a:solidFill>
+                          <a:latin typeface="Times New Roman" panose="02020603050405020304" pitchFamily="18" charset="0"/>
+                          <a:cs typeface="Times New Roman" panose="02020603050405020304" pitchFamily="18" charset="0"/>
+                        </a:rPr>
+                        <a:t>함수</a:t>
+                      </a:r>
+                      <a:endParaRPr lang="en-US" altLang="ko-KR" sz="1600" dirty="0">
+                        <a:solidFill>
+                          <a:schemeClr val="tx1"/>
+                        </a:solidFill>
+                        <a:latin typeface="Times New Roman" panose="02020603050405020304" pitchFamily="18" charset="0"/>
+                        <a:cs typeface="Times New Roman" panose="02020603050405020304" pitchFamily="18" charset="0"/>
+                      </a:endParaRPr>
+                    </a:p>
+                    <a:p>
+                      <a:r>
+                        <a:rPr lang="en-US" altLang="ko-KR" sz="1600" dirty="0">
+                          <a:solidFill>
+                            <a:schemeClr val="tx1"/>
+                          </a:solidFill>
+                          <a:latin typeface="Times New Roman" panose="02020603050405020304" pitchFamily="18" charset="0"/>
+                          <a:cs typeface="Times New Roman" panose="02020603050405020304" pitchFamily="18" charset="0"/>
+                        </a:rPr>
+                        <a:t>- </a:t>
+                      </a:r>
+                      <a:r>
+                        <a:rPr lang="ko-KR" altLang="en-US" sz="1600" dirty="0" err="1">
+                          <a:solidFill>
+                            <a:schemeClr val="tx1"/>
+                          </a:solidFill>
+                          <a:latin typeface="Times New Roman" panose="02020603050405020304" pitchFamily="18" charset="0"/>
+                          <a:cs typeface="Times New Roman" panose="02020603050405020304" pitchFamily="18" charset="0"/>
+                        </a:rPr>
+                        <a:t>윤년구하기</a:t>
+                      </a:r>
+                      <a:r>
+                        <a:rPr lang="en-US" altLang="ko-KR" sz="1600" dirty="0">
+                          <a:solidFill>
+                            <a:schemeClr val="tx1"/>
+                          </a:solidFill>
+                          <a:latin typeface="Times New Roman" panose="02020603050405020304" pitchFamily="18" charset="0"/>
+                          <a:cs typeface="Times New Roman" panose="02020603050405020304" pitchFamily="18" charset="0"/>
+                        </a:rPr>
+                        <a:t>(4, 100, 400)</a:t>
+                      </a:r>
+                    </a:p>
+                    <a:p>
+                      <a:r>
+                        <a:rPr lang="en-US" altLang="ko-KR" sz="1600" dirty="0">
+                          <a:solidFill>
+                            <a:schemeClr val="tx1"/>
+                          </a:solidFill>
+                          <a:latin typeface="Times New Roman" panose="02020603050405020304" pitchFamily="18" charset="0"/>
+                          <a:cs typeface="Times New Roman" panose="02020603050405020304" pitchFamily="18" charset="0"/>
+                        </a:rPr>
+                        <a:t>- </a:t>
+                      </a:r>
+                      <a:r>
+                        <a:rPr lang="ko-KR" altLang="en-US" sz="1600" dirty="0">
+                          <a:solidFill>
+                            <a:schemeClr val="tx1"/>
+                          </a:solidFill>
+                          <a:latin typeface="Times New Roman" panose="02020603050405020304" pitchFamily="18" charset="0"/>
+                          <a:cs typeface="Times New Roman" panose="02020603050405020304" pitchFamily="18" charset="0"/>
+                        </a:rPr>
+                        <a:t>직사각형 세 점의 좌표를 알 때</a:t>
+                      </a:r>
+                      <a:r>
+                        <a:rPr lang="en-US" altLang="ko-KR" sz="1600" dirty="0">
+                          <a:solidFill>
+                            <a:schemeClr val="tx1"/>
+                          </a:solidFill>
+                          <a:latin typeface="Times New Roman" panose="02020603050405020304" pitchFamily="18" charset="0"/>
+                          <a:cs typeface="Times New Roman" panose="02020603050405020304" pitchFamily="18" charset="0"/>
+                        </a:rPr>
+                        <a:t>, </a:t>
+                      </a:r>
+                      <a:r>
+                        <a:rPr lang="ko-KR" altLang="en-US" sz="1600" dirty="0">
+                          <a:solidFill>
+                            <a:schemeClr val="tx1"/>
+                          </a:solidFill>
+                          <a:latin typeface="Times New Roman" panose="02020603050405020304" pitchFamily="18" charset="0"/>
+                          <a:cs typeface="Times New Roman" panose="02020603050405020304" pitchFamily="18" charset="0"/>
+                        </a:rPr>
+                        <a:t>나머지 점 좌표</a:t>
+                      </a:r>
+                      <a:endParaRPr lang="en-US" altLang="ko-KR" sz="1600" dirty="0">
+                        <a:solidFill>
+                          <a:schemeClr val="tx1"/>
+                        </a:solidFill>
+                        <a:latin typeface="Times New Roman" panose="02020603050405020304" pitchFamily="18" charset="0"/>
+                        <a:cs typeface="Times New Roman" panose="02020603050405020304" pitchFamily="18" charset="0"/>
+                      </a:endParaRPr>
+                    </a:p>
+                    <a:p>
+                      <a:r>
+                        <a:rPr lang="en-US" altLang="ko-KR" sz="1600" dirty="0">
+                          <a:solidFill>
+                            <a:schemeClr val="tx1"/>
+                          </a:solidFill>
+                          <a:latin typeface="Times New Roman" panose="02020603050405020304" pitchFamily="18" charset="0"/>
+                          <a:cs typeface="Times New Roman" panose="02020603050405020304" pitchFamily="18" charset="0"/>
+                        </a:rPr>
+                        <a:t>- </a:t>
+                      </a:r>
+                      <a:r>
+                        <a:rPr lang="ko-KR" altLang="en-US" sz="1600" dirty="0">
+                          <a:solidFill>
+                            <a:schemeClr val="tx1"/>
+                          </a:solidFill>
+                          <a:latin typeface="Times New Roman" panose="02020603050405020304" pitchFamily="18" charset="0"/>
+                          <a:cs typeface="Times New Roman" panose="02020603050405020304" pitchFamily="18" charset="0"/>
+                        </a:rPr>
+                        <a:t>대소문자 전환</a:t>
+                      </a:r>
+                      <a:r>
+                        <a:rPr lang="en-US" altLang="ko-KR" sz="1600" dirty="0">
+                          <a:solidFill>
+                            <a:schemeClr val="tx1"/>
+                          </a:solidFill>
+                          <a:latin typeface="Times New Roman" panose="02020603050405020304" pitchFamily="18" charset="0"/>
+                          <a:cs typeface="Times New Roman" panose="02020603050405020304" pitchFamily="18" charset="0"/>
+                        </a:rPr>
+                        <a:t>(^32)</a:t>
+                      </a:r>
+                    </a:p>
+                    <a:p>
+                      <a:r>
+                        <a:rPr lang="en-US" altLang="ko-KR" sz="1600" dirty="0">
+                          <a:solidFill>
+                            <a:schemeClr val="tx1"/>
+                          </a:solidFill>
+                          <a:latin typeface="Times New Roman" panose="02020603050405020304" pitchFamily="18" charset="0"/>
+                          <a:cs typeface="Times New Roman" panose="02020603050405020304" pitchFamily="18" charset="0"/>
+                        </a:rPr>
+                        <a:t>- </a:t>
+                      </a:r>
+                      <a:r>
+                        <a:rPr lang="ko-KR" altLang="en-US" sz="1600" dirty="0">
+                          <a:solidFill>
+                            <a:schemeClr val="tx1"/>
+                          </a:solidFill>
+                          <a:latin typeface="Times New Roman" panose="02020603050405020304" pitchFamily="18" charset="0"/>
+                          <a:cs typeface="Times New Roman" panose="02020603050405020304" pitchFamily="18" charset="0"/>
+                        </a:rPr>
+                        <a:t>연속된 숫자에서 없는 값 찾기</a:t>
+                      </a:r>
+                      <a:endParaRPr lang="en-US" altLang="ko-KR" sz="1600" dirty="0">
+                        <a:solidFill>
+                          <a:schemeClr val="tx1"/>
+                        </a:solidFill>
+                        <a:latin typeface="Times New Roman" panose="02020603050405020304" pitchFamily="18" charset="0"/>
+                        <a:cs typeface="Times New Roman" panose="02020603050405020304" pitchFamily="18" charset="0"/>
+                      </a:endParaRPr>
+                    </a:p>
+                    <a:p>
+                      <a:r>
+                        <a:rPr lang="en-US" altLang="ko-KR" sz="1600" dirty="0">
+                          <a:solidFill>
+                            <a:schemeClr val="tx1"/>
+                          </a:solidFill>
+                          <a:latin typeface="Times New Roman" panose="02020603050405020304" pitchFamily="18" charset="0"/>
+                          <a:cs typeface="Times New Roman" panose="02020603050405020304" pitchFamily="18" charset="0"/>
+                        </a:rPr>
+                        <a:t>  (</a:t>
+                      </a:r>
+                      <a:r>
+                        <a:rPr lang="ko-KR" altLang="en-US" sz="1600" dirty="0">
+                          <a:solidFill>
+                            <a:schemeClr val="tx1"/>
+                          </a:solidFill>
+                          <a:latin typeface="Times New Roman" panose="02020603050405020304" pitchFamily="18" charset="0"/>
+                          <a:cs typeface="Times New Roman" panose="02020603050405020304" pitchFamily="18" charset="0"/>
+                        </a:rPr>
+                        <a:t>중복된 숫자들 중 개수가 다른 숫자 찾기</a:t>
+                      </a:r>
+                      <a:r>
+                        <a:rPr lang="en-US" altLang="ko-KR" sz="1600" dirty="0">
+                          <a:solidFill>
+                            <a:schemeClr val="tx1"/>
+                          </a:solidFill>
+                          <a:latin typeface="Times New Roman" panose="02020603050405020304" pitchFamily="18" charset="0"/>
+                          <a:cs typeface="Times New Roman" panose="02020603050405020304" pitchFamily="18" charset="0"/>
+                        </a:rPr>
+                        <a:t>)</a:t>
+                      </a:r>
+                      <a:endParaRPr lang="ko-KR" altLang="en-US" sz="1600" dirty="0">
+                        <a:solidFill>
+                          <a:schemeClr val="tx1"/>
+                        </a:solidFill>
+                        <a:latin typeface="Times New Roman" panose="02020603050405020304" pitchFamily="18" charset="0"/>
+                        <a:cs typeface="Times New Roman" panose="02020603050405020304" pitchFamily="18" charset="0"/>
+                      </a:endParaRPr>
+                    </a:p>
+                  </a:txBody>
+                  <a:tcPr>
+                    <a:lnL w="12700" cap="flat" cmpd="sng" algn="ctr">
+                      <a:solidFill>
+                        <a:schemeClr val="tx1"/>
+                      </a:solidFill>
+                      <a:prstDash val="solid"/>
+                      <a:round/>
+                      <a:headEnd type="none" w="med" len="med"/>
+                      <a:tailEnd type="none" w="med" len="med"/>
+                    </a:lnL>
+                    <a:lnR w="12700" cap="flat" cmpd="sng" algn="ctr">
+                      <a:solidFill>
+                        <a:schemeClr val="tx1"/>
+                      </a:solidFill>
+                      <a:prstDash val="solid"/>
+                      <a:round/>
+                      <a:headEnd type="none" w="med" len="med"/>
+                      <a:tailEnd type="none" w="med" len="med"/>
+                    </a:lnR>
+                    <a:lnT w="12700" cap="flat" cmpd="sng" algn="ctr">
+                      <a:solidFill>
+                        <a:schemeClr val="tx1"/>
+                      </a:solidFill>
+                      <a:prstDash val="solid"/>
+                      <a:round/>
+                      <a:headEnd type="none" w="med" len="med"/>
+                      <a:tailEnd type="none" w="med" len="med"/>
+                    </a:lnT>
+                    <a:lnB w="12700" cap="flat" cmpd="sng" algn="ctr">
+                      <a:solidFill>
+                        <a:schemeClr val="tx1"/>
+                      </a:solidFill>
+                      <a:prstDash val="solid"/>
+                      <a:round/>
+                      <a:headEnd type="none" w="med" len="med"/>
+                      <a:tailEnd type="none" w="med" len="med"/>
+                    </a:lnB>
+                    <a:lnTlToBr w="12700" cmpd="sng">
+                      <a:noFill/>
+                      <a:prstDash val="solid"/>
+                    </a:lnTlToBr>
+                    <a:lnBlToTr w="12700" cmpd="sng">
+                      <a:noFill/>
+                      <a:prstDash val="solid"/>
+                    </a:lnBlToTr>
+                    <a:noFill/>
+                  </a:tcPr>
+                </a:tc>
+                <a:extLst>
+                  <a:ext uri="{0D108BD9-81ED-4DB2-BD59-A6C34878D82A}">
+                    <a16:rowId xmlns:a16="http://schemas.microsoft.com/office/drawing/2014/main" val="4126198778"/>
+                  </a:ext>
+                </a:extLst>
+              </a:tr>
+            </a:tbl>
+          </a:graphicData>
+        </a:graphic>
+      </p:graphicFrame>
+      <p:graphicFrame>
+        <p:nvGraphicFramePr>
+          <p:cNvPr id="15" name="표 14">
+            <a:extLst>
+              <a:ext uri="{FF2B5EF4-FFF2-40B4-BE49-F238E27FC236}">
+                <a16:creationId xmlns:a16="http://schemas.microsoft.com/office/drawing/2014/main" id="{AE692B28-DF82-AC4F-DA15-1A9965E7B08E}"/>
+              </a:ext>
+            </a:extLst>
+          </p:cNvPr>
+          <p:cNvGraphicFramePr>
+            <a:graphicFrameLocks noGrp="1"/>
+          </p:cNvGraphicFramePr>
+          <p:nvPr/>
+        </p:nvGraphicFramePr>
+        <p:xfrm>
+          <a:off x="241700" y="3063929"/>
+          <a:ext cx="4830814" cy="461665"/>
+        </p:xfrm>
+        <a:graphic>
+          <a:graphicData uri="http://schemas.openxmlformats.org/drawingml/2006/table">
+            <a:tbl>
+              <a:tblPr firstRow="1" bandRow="1">
+                <a:tableStyleId>{5C22544A-7EE6-4342-B048-85BDC9FD1C3A}</a:tableStyleId>
+              </a:tblPr>
+              <a:tblGrid>
+                <a:gridCol w="4830814">
+                  <a:extLst>
+                    <a:ext uri="{9D8B030D-6E8A-4147-A177-3AD203B41FA5}">
+                      <a16:colId xmlns:a16="http://schemas.microsoft.com/office/drawing/2014/main" val="1427386122"/>
+                    </a:ext>
+                  </a:extLst>
+                </a:gridCol>
+              </a:tblGrid>
+              <a:tr h="461665">
+                <a:tc>
+                  <a:txBody>
+                    <a:bodyPr/>
+                    <a:lstStyle/>
+                    <a:p>
+                      <a:pPr fontAlgn="base"/>
+                      <a:r>
+                        <a:rPr lang="en-US" altLang="ko-KR" sz="1200" b="0" i="0" kern="1200" dirty="0">
+                          <a:solidFill>
+                            <a:schemeClr val="tx1"/>
+                          </a:solidFill>
+                          <a:effectLst/>
+                          <a:latin typeface="Times New Roman" panose="02020603050405020304" pitchFamily="18" charset="0"/>
+                          <a:ea typeface="+mn-ea"/>
+                          <a:cs typeface="Times New Roman" panose="02020603050405020304" pitchFamily="18" charset="0"/>
+                        </a:rPr>
+                        <a:t>Assume a</a:t>
+                      </a:r>
+                      <a:r>
+                        <a:rPr lang="en-US" altLang="ko-KR" sz="1200" b="0" i="0" kern="1200" baseline="-25000" dirty="0">
+                          <a:solidFill>
+                            <a:schemeClr val="tx1"/>
+                          </a:solidFill>
+                          <a:effectLst/>
+                          <a:latin typeface="Times New Roman" panose="02020603050405020304" pitchFamily="18" charset="0"/>
+                          <a:ea typeface="+mn-ea"/>
+                          <a:cs typeface="Times New Roman" panose="02020603050405020304" pitchFamily="18" charset="0"/>
+                        </a:rPr>
+                        <a:t>1</a:t>
+                      </a:r>
+                      <a:r>
+                        <a:rPr lang="en-US" altLang="ko-KR" sz="1200" b="0" i="0" kern="1200" dirty="0">
+                          <a:solidFill>
+                            <a:schemeClr val="tx1"/>
+                          </a:solidFill>
+                          <a:effectLst/>
+                          <a:latin typeface="Times New Roman" panose="02020603050405020304" pitchFamily="18" charset="0"/>
+                          <a:ea typeface="+mn-ea"/>
+                          <a:cs typeface="Times New Roman" panose="02020603050405020304" pitchFamily="18" charset="0"/>
+                        </a:rPr>
+                        <a:t> ⊕ a</a:t>
+                      </a:r>
+                      <a:r>
+                        <a:rPr lang="en-US" altLang="ko-KR" sz="1200" b="0" i="0" kern="1200" baseline="-25000" dirty="0">
+                          <a:solidFill>
+                            <a:schemeClr val="tx1"/>
+                          </a:solidFill>
+                          <a:effectLst/>
+                          <a:latin typeface="Times New Roman" panose="02020603050405020304" pitchFamily="18" charset="0"/>
+                          <a:ea typeface="+mn-ea"/>
+                          <a:cs typeface="Times New Roman" panose="02020603050405020304" pitchFamily="18" charset="0"/>
+                        </a:rPr>
+                        <a:t>2</a:t>
+                      </a:r>
+                      <a:r>
+                        <a:rPr lang="en-US" altLang="ko-KR" sz="1200" b="0" i="0" kern="1200" dirty="0">
+                          <a:solidFill>
+                            <a:schemeClr val="tx1"/>
+                          </a:solidFill>
+                          <a:effectLst/>
+                          <a:latin typeface="Times New Roman" panose="02020603050405020304" pitchFamily="18" charset="0"/>
+                          <a:ea typeface="+mn-ea"/>
+                          <a:cs typeface="Times New Roman" panose="02020603050405020304" pitchFamily="18" charset="0"/>
+                        </a:rPr>
+                        <a:t> ⊕ a</a:t>
+                      </a:r>
+                      <a:r>
+                        <a:rPr lang="en-US" altLang="ko-KR" sz="1200" b="0" i="0" kern="1200" baseline="-25000" dirty="0">
+                          <a:solidFill>
+                            <a:schemeClr val="tx1"/>
+                          </a:solidFill>
+                          <a:effectLst/>
+                          <a:latin typeface="Times New Roman" panose="02020603050405020304" pitchFamily="18" charset="0"/>
+                          <a:ea typeface="+mn-ea"/>
+                          <a:cs typeface="Times New Roman" panose="02020603050405020304" pitchFamily="18" charset="0"/>
+                        </a:rPr>
+                        <a:t>3</a:t>
+                      </a:r>
+                      <a:r>
+                        <a:rPr lang="en-US" altLang="ko-KR" sz="1200" b="0" i="0" kern="1200" dirty="0">
+                          <a:solidFill>
+                            <a:schemeClr val="tx1"/>
+                          </a:solidFill>
+                          <a:effectLst/>
+                          <a:latin typeface="Times New Roman" panose="02020603050405020304" pitchFamily="18" charset="0"/>
+                          <a:ea typeface="+mn-ea"/>
+                          <a:cs typeface="Times New Roman" panose="02020603050405020304" pitchFamily="18" charset="0"/>
+                        </a:rPr>
+                        <a:t> ⊕ . . . ⊕ a</a:t>
+                      </a:r>
+                      <a:r>
+                        <a:rPr lang="en-US" altLang="ko-KR" sz="1200" b="0" i="0" kern="1200" baseline="-25000" dirty="0">
+                          <a:solidFill>
+                            <a:schemeClr val="tx1"/>
+                          </a:solidFill>
+                          <a:effectLst/>
+                          <a:latin typeface="Times New Roman" panose="02020603050405020304" pitchFamily="18" charset="0"/>
+                          <a:ea typeface="+mn-ea"/>
+                          <a:cs typeface="Times New Roman" panose="02020603050405020304" pitchFamily="18" charset="0"/>
+                        </a:rPr>
+                        <a:t>n</a:t>
+                      </a:r>
+                      <a:r>
+                        <a:rPr lang="en-US" altLang="ko-KR" sz="1200" b="0" i="0" kern="1200" dirty="0">
+                          <a:solidFill>
+                            <a:schemeClr val="tx1"/>
+                          </a:solidFill>
+                          <a:effectLst/>
+                          <a:latin typeface="Times New Roman" panose="02020603050405020304" pitchFamily="18" charset="0"/>
+                          <a:ea typeface="+mn-ea"/>
+                          <a:cs typeface="Times New Roman" panose="02020603050405020304" pitchFamily="18" charset="0"/>
+                        </a:rPr>
+                        <a:t> = a and a</a:t>
+                      </a:r>
+                      <a:r>
+                        <a:rPr lang="en-US" altLang="ko-KR" sz="1200" b="0" i="0" kern="1200" baseline="-25000" dirty="0">
+                          <a:solidFill>
+                            <a:schemeClr val="tx1"/>
+                          </a:solidFill>
+                          <a:effectLst/>
+                          <a:latin typeface="Times New Roman" panose="02020603050405020304" pitchFamily="18" charset="0"/>
+                          <a:ea typeface="+mn-ea"/>
+                          <a:cs typeface="Times New Roman" panose="02020603050405020304" pitchFamily="18" charset="0"/>
+                        </a:rPr>
+                        <a:t>1</a:t>
+                      </a:r>
+                      <a:r>
+                        <a:rPr lang="en-US" altLang="ko-KR" sz="1200" b="0" i="0" kern="1200" dirty="0">
+                          <a:solidFill>
+                            <a:schemeClr val="tx1"/>
+                          </a:solidFill>
+                          <a:effectLst/>
+                          <a:latin typeface="Times New Roman" panose="02020603050405020304" pitchFamily="18" charset="0"/>
+                          <a:ea typeface="+mn-ea"/>
+                          <a:cs typeface="Times New Roman" panose="02020603050405020304" pitchFamily="18" charset="0"/>
+                        </a:rPr>
+                        <a:t> ⊕ a</a:t>
+                      </a:r>
+                      <a:r>
+                        <a:rPr lang="en-US" altLang="ko-KR" sz="1200" b="0" i="0" kern="1200" baseline="-25000" dirty="0">
+                          <a:solidFill>
+                            <a:schemeClr val="tx1"/>
+                          </a:solidFill>
+                          <a:effectLst/>
+                          <a:latin typeface="Times New Roman" panose="02020603050405020304" pitchFamily="18" charset="0"/>
+                          <a:ea typeface="+mn-ea"/>
+                          <a:cs typeface="Times New Roman" panose="02020603050405020304" pitchFamily="18" charset="0"/>
+                        </a:rPr>
+                        <a:t>2</a:t>
+                      </a:r>
+                      <a:r>
+                        <a:rPr lang="en-US" altLang="ko-KR" sz="1200" b="0" i="0" kern="1200" dirty="0">
+                          <a:solidFill>
+                            <a:schemeClr val="tx1"/>
+                          </a:solidFill>
+                          <a:effectLst/>
+                          <a:latin typeface="Times New Roman" panose="02020603050405020304" pitchFamily="18" charset="0"/>
+                          <a:ea typeface="+mn-ea"/>
+                          <a:cs typeface="Times New Roman" panose="02020603050405020304" pitchFamily="18" charset="0"/>
+                        </a:rPr>
+                        <a:t> ⊕ a</a:t>
+                      </a:r>
+                      <a:r>
+                        <a:rPr lang="en-US" altLang="ko-KR" sz="1200" b="0" i="0" kern="1200" baseline="-25000" dirty="0">
+                          <a:solidFill>
+                            <a:schemeClr val="tx1"/>
+                          </a:solidFill>
+                          <a:effectLst/>
+                          <a:latin typeface="Times New Roman" panose="02020603050405020304" pitchFamily="18" charset="0"/>
+                          <a:ea typeface="+mn-ea"/>
+                          <a:cs typeface="Times New Roman" panose="02020603050405020304" pitchFamily="18" charset="0"/>
+                        </a:rPr>
+                        <a:t>3</a:t>
+                      </a:r>
+                      <a:r>
+                        <a:rPr lang="en-US" altLang="ko-KR" sz="1200" b="0" i="0" kern="1200" dirty="0">
+                          <a:solidFill>
+                            <a:schemeClr val="tx1"/>
+                          </a:solidFill>
+                          <a:effectLst/>
+                          <a:latin typeface="Times New Roman" panose="02020603050405020304" pitchFamily="18" charset="0"/>
+                          <a:ea typeface="+mn-ea"/>
+                          <a:cs typeface="Times New Roman" panose="02020603050405020304" pitchFamily="18" charset="0"/>
+                        </a:rPr>
+                        <a:t> ⊕ . . . ⊕ a</a:t>
+                      </a:r>
+                      <a:r>
+                        <a:rPr lang="en-US" altLang="ko-KR" sz="1200" b="0" i="0" kern="1200" baseline="-25000" dirty="0">
+                          <a:solidFill>
+                            <a:schemeClr val="tx1"/>
+                          </a:solidFill>
+                          <a:effectLst/>
+                          <a:latin typeface="Times New Roman" panose="02020603050405020304" pitchFamily="18" charset="0"/>
+                          <a:ea typeface="+mn-ea"/>
+                          <a:cs typeface="Times New Roman" panose="02020603050405020304" pitchFamily="18" charset="0"/>
+                        </a:rPr>
+                        <a:t>n-1</a:t>
+                      </a:r>
+                      <a:r>
+                        <a:rPr lang="en-US" altLang="ko-KR" sz="1200" b="0" i="0" kern="1200" dirty="0">
+                          <a:solidFill>
+                            <a:schemeClr val="tx1"/>
+                          </a:solidFill>
+                          <a:effectLst/>
+                          <a:latin typeface="Times New Roman" panose="02020603050405020304" pitchFamily="18" charset="0"/>
+                          <a:ea typeface="+mn-ea"/>
+                          <a:cs typeface="Times New Roman" panose="02020603050405020304" pitchFamily="18" charset="0"/>
+                        </a:rPr>
+                        <a:t> = b</a:t>
+                      </a:r>
+                    </a:p>
+                    <a:p>
+                      <a:pPr fontAlgn="base"/>
+                      <a:r>
+                        <a:rPr lang="en-US" altLang="ko-KR" sz="1200" b="0" i="0" kern="1200" dirty="0">
+                          <a:solidFill>
+                            <a:schemeClr val="tx1"/>
+                          </a:solidFill>
+                          <a:effectLst/>
+                          <a:latin typeface="Times New Roman" panose="02020603050405020304" pitchFamily="18" charset="0"/>
+                          <a:ea typeface="+mn-ea"/>
+                          <a:cs typeface="Times New Roman" panose="02020603050405020304" pitchFamily="18" charset="0"/>
+                        </a:rPr>
+                        <a:t>Then a ⊕ b = a</a:t>
+                      </a:r>
+                      <a:r>
+                        <a:rPr lang="en-US" altLang="ko-KR" sz="1200" b="0" i="0" kern="1200" baseline="-25000" dirty="0">
+                          <a:solidFill>
+                            <a:schemeClr val="tx1"/>
+                          </a:solidFill>
+                          <a:effectLst/>
+                          <a:latin typeface="Times New Roman" panose="02020603050405020304" pitchFamily="18" charset="0"/>
+                          <a:ea typeface="+mn-ea"/>
+                          <a:cs typeface="Times New Roman" panose="02020603050405020304" pitchFamily="18" charset="0"/>
+                        </a:rPr>
+                        <a:t>n</a:t>
+                      </a:r>
+                      <a:endParaRPr lang="en-US" altLang="ko-KR" sz="1200" b="0" i="0" kern="1200" dirty="0">
+                        <a:solidFill>
+                          <a:schemeClr val="tx1"/>
+                        </a:solidFill>
+                        <a:effectLst/>
+                        <a:latin typeface="Times New Roman" panose="02020603050405020304" pitchFamily="18" charset="0"/>
+                        <a:ea typeface="+mn-ea"/>
+                        <a:cs typeface="Times New Roman" panose="02020603050405020304" pitchFamily="18" charset="0"/>
+                      </a:endParaRPr>
+                    </a:p>
+                  </a:txBody>
+                  <a:tcPr>
+                    <a:lnL w="12700" cap="flat" cmpd="sng" algn="ctr">
+                      <a:solidFill>
+                        <a:schemeClr val="tx1"/>
+                      </a:solidFill>
+                      <a:prstDash val="solid"/>
+                      <a:round/>
+                      <a:headEnd type="none" w="med" len="med"/>
+                      <a:tailEnd type="none" w="med" len="med"/>
+                    </a:lnL>
+                    <a:lnR w="12700" cap="flat" cmpd="sng" algn="ctr">
+                      <a:solidFill>
+                        <a:schemeClr val="tx1"/>
+                      </a:solidFill>
+                      <a:prstDash val="solid"/>
+                      <a:round/>
+                      <a:headEnd type="none" w="med" len="med"/>
+                      <a:tailEnd type="none" w="med" len="med"/>
+                    </a:lnR>
+                    <a:lnT w="12700" cap="flat" cmpd="sng" algn="ctr">
+                      <a:solidFill>
+                        <a:schemeClr val="tx1"/>
+                      </a:solidFill>
+                      <a:prstDash val="solid"/>
+                      <a:round/>
+                      <a:headEnd type="none" w="med" len="med"/>
+                      <a:tailEnd type="none" w="med" len="med"/>
+                    </a:lnT>
+                    <a:lnB w="12700" cap="flat" cmpd="sng" algn="ctr">
+                      <a:solidFill>
+                        <a:schemeClr val="tx1"/>
+                      </a:solidFill>
+                      <a:prstDash val="solid"/>
+                      <a:round/>
+                      <a:headEnd type="none" w="med" len="med"/>
+                      <a:tailEnd type="none" w="med" len="med"/>
+                    </a:lnB>
+                    <a:lnTlToBr w="12700" cmpd="sng">
+                      <a:noFill/>
+                      <a:prstDash val="solid"/>
+                    </a:lnTlToBr>
+                    <a:lnBlToTr w="12700" cmpd="sng">
+                      <a:noFill/>
+                      <a:prstDash val="solid"/>
+                    </a:lnBlToTr>
+                    <a:noFill/>
+                  </a:tcPr>
+                </a:tc>
+                <a:extLst>
+                  <a:ext uri="{0D108BD9-81ED-4DB2-BD59-A6C34878D82A}">
+                    <a16:rowId xmlns:a16="http://schemas.microsoft.com/office/drawing/2014/main" val="4126198778"/>
+                  </a:ext>
+                </a:extLst>
+              </a:tr>
+            </a:tbl>
+          </a:graphicData>
+        </a:graphic>
+      </p:graphicFrame>
+      <mc:AlternateContent xmlns:mc="http://schemas.openxmlformats.org/markup-compatibility/2006">
+        <mc:Choice xmlns:a14="http://schemas.microsoft.com/office/drawing/2010/main" Requires="a14">
+          <p:graphicFrame>
+            <p:nvGraphicFramePr>
+              <p:cNvPr id="3" name="표 2">
+                <a:extLst>
+                  <a:ext uri="{FF2B5EF4-FFF2-40B4-BE49-F238E27FC236}">
+                    <a16:creationId xmlns:a16="http://schemas.microsoft.com/office/drawing/2014/main" id="{AE6D1D21-AA00-C9FE-85DF-5675FA462C7D}"/>
+                  </a:ext>
+                </a:extLst>
+              </p:cNvPr>
+              <p:cNvGraphicFramePr>
+                <a:graphicFrameLocks noGrp="1"/>
+              </p:cNvGraphicFramePr>
+              <p:nvPr/>
+            </p:nvGraphicFramePr>
+            <p:xfrm>
+              <a:off x="2411394" y="1404075"/>
+              <a:ext cx="2661120" cy="1543055"/>
+            </p:xfrm>
+            <a:graphic>
+              <a:graphicData uri="http://schemas.openxmlformats.org/drawingml/2006/table">
+                <a:tbl>
+                  <a:tblPr firstRow="1" bandRow="1">
+                    <a:tableStyleId>{5C22544A-7EE6-4342-B048-85BDC9FD1C3A}</a:tableStyleId>
+                  </a:tblPr>
+                  <a:tblGrid>
+                    <a:gridCol w="2661120">
+                      <a:extLst>
+                        <a:ext uri="{9D8B030D-6E8A-4147-A177-3AD203B41FA5}">
+                          <a16:colId xmlns:a16="http://schemas.microsoft.com/office/drawing/2014/main" val="1427386122"/>
+                        </a:ext>
+                      </a:extLst>
+                    </a:gridCol>
+                  </a:tblGrid>
+                  <a:tr h="1543055">
+                    <a:tc>
+                      <a:txBody>
+                        <a:bodyPr/>
+                        <a:lstStyle/>
+                        <a:p>
+                          <a:pPr marL="0" marR="0" lvl="0" indent="0" algn="ctr" defTabSz="914400" rtl="0" eaLnBrk="1" fontAlgn="auto" latinLnBrk="1" hangingPunct="1">
+                            <a:lnSpc>
+                              <a:spcPct val="100000"/>
+                            </a:lnSpc>
+                            <a:spcBef>
+                              <a:spcPts val="0"/>
+                            </a:spcBef>
+                            <a:spcAft>
+                              <a:spcPts val="0"/>
+                            </a:spcAft>
+                            <a:buClrTx/>
+                            <a:buSzTx/>
+                            <a:buFontTx/>
+                            <a:buNone/>
+                            <a:tabLst/>
+                            <a:defRPr/>
+                          </a:pPr>
+                          <a:r>
+                            <a:rPr lang="en-US" altLang="ko-KR" sz="1200" dirty="0">
+                              <a:solidFill>
+                                <a:schemeClr val="tx1"/>
+                              </a:solidFill>
+                              <a:latin typeface="Times New Roman" panose="02020603050405020304" pitchFamily="18" charset="0"/>
+                              <a:cs typeface="Times New Roman" panose="02020603050405020304" pitchFamily="18" charset="0"/>
+                            </a:rPr>
+                            <a:t>N%2 == 0 </a:t>
+                          </a:r>
+                          <a:r>
+                            <a:rPr lang="en-US" altLang="ko-KR" sz="1200" dirty="0">
+                              <a:solidFill>
+                                <a:schemeClr val="tx1"/>
+                              </a:solidFill>
+                              <a:latin typeface="Times New Roman" panose="02020603050405020304" pitchFamily="18" charset="0"/>
+                              <a:cs typeface="Times New Roman" panose="02020603050405020304" pitchFamily="18" charset="0"/>
+                              <a:sym typeface="Wingdings" panose="05000000000000000000" pitchFamily="2" charset="2"/>
+                            </a:rPr>
+                            <a:t> N &amp; 1 == 0</a:t>
+                          </a:r>
+                        </a:p>
+                        <a:p>
+                          <a:pPr marL="0" marR="0" lvl="0" indent="0" algn="ctr" defTabSz="914400" rtl="0" eaLnBrk="1" fontAlgn="auto" latinLnBrk="1" hangingPunct="1">
+                            <a:lnSpc>
+                              <a:spcPct val="100000"/>
+                            </a:lnSpc>
+                            <a:spcBef>
+                              <a:spcPts val="0"/>
+                            </a:spcBef>
+                            <a:spcAft>
+                              <a:spcPts val="0"/>
+                            </a:spcAft>
+                            <a:buClrTx/>
+                            <a:buSzTx/>
+                            <a:buFontTx/>
+                            <a:buNone/>
+                            <a:tabLst/>
+                            <a:defRPr/>
+                          </a:pPr>
+                          <a:r>
+                            <a:rPr lang="en-US" altLang="ko-KR" sz="1200" dirty="0">
+                              <a:solidFill>
+                                <a:schemeClr val="tx1"/>
+                              </a:solidFill>
+                              <a:latin typeface="Times New Roman" panose="02020603050405020304" pitchFamily="18" charset="0"/>
+                              <a:cs typeface="Times New Roman" panose="02020603050405020304" pitchFamily="18" charset="0"/>
+                            </a:rPr>
+                            <a:t>N%4 == 0 </a:t>
+                          </a:r>
+                          <a:r>
+                            <a:rPr lang="en-US" altLang="ko-KR" sz="1200" dirty="0">
+                              <a:solidFill>
+                                <a:schemeClr val="tx1"/>
+                              </a:solidFill>
+                              <a:latin typeface="Times New Roman" panose="02020603050405020304" pitchFamily="18" charset="0"/>
+                              <a:cs typeface="Times New Roman" panose="02020603050405020304" pitchFamily="18" charset="0"/>
+                              <a:sym typeface="Wingdings" panose="05000000000000000000" pitchFamily="2" charset="2"/>
+                            </a:rPr>
+                            <a:t> N &amp; 3 == 0</a:t>
+                          </a:r>
+                        </a:p>
+                        <a:p>
+                          <a:pPr marL="0" marR="0" lvl="0" indent="0" algn="ctr" defTabSz="914400" rtl="0" eaLnBrk="1" fontAlgn="auto" latinLnBrk="1" hangingPunct="1">
+                            <a:lnSpc>
+                              <a:spcPct val="100000"/>
+                            </a:lnSpc>
+                            <a:spcBef>
+                              <a:spcPts val="0"/>
+                            </a:spcBef>
+                            <a:spcAft>
+                              <a:spcPts val="0"/>
+                            </a:spcAft>
+                            <a:buClrTx/>
+                            <a:buSzTx/>
+                            <a:buFontTx/>
+                            <a:buNone/>
+                            <a:tabLst/>
+                            <a:defRPr/>
+                          </a:pPr>
+                          <a:r>
+                            <a:rPr lang="en-US" altLang="ko-KR" sz="1200" dirty="0">
+                              <a:solidFill>
+                                <a:schemeClr val="tx1"/>
+                              </a:solidFill>
+                              <a:latin typeface="Times New Roman" panose="02020603050405020304" pitchFamily="18" charset="0"/>
+                              <a:cs typeface="Times New Roman" panose="02020603050405020304" pitchFamily="18" charset="0"/>
+                            </a:rPr>
+                            <a:t>N%8 == 0 </a:t>
+                          </a:r>
+                          <a:r>
+                            <a:rPr lang="en-US" altLang="ko-KR" sz="1200" dirty="0">
+                              <a:solidFill>
+                                <a:schemeClr val="tx1"/>
+                              </a:solidFill>
+                              <a:latin typeface="Times New Roman" panose="02020603050405020304" pitchFamily="18" charset="0"/>
+                              <a:cs typeface="Times New Roman" panose="02020603050405020304" pitchFamily="18" charset="0"/>
+                              <a:sym typeface="Wingdings" panose="05000000000000000000" pitchFamily="2" charset="2"/>
+                            </a:rPr>
+                            <a:t> N &amp; 7 == 0</a:t>
+                          </a:r>
+                        </a:p>
+                        <a:p>
+                          <a:pPr marL="0" marR="0" lvl="0" indent="0" algn="ctr" defTabSz="914400" rtl="0" eaLnBrk="1" fontAlgn="auto" latinLnBrk="1" hangingPunct="1">
+                            <a:lnSpc>
+                              <a:spcPct val="100000"/>
+                            </a:lnSpc>
+                            <a:spcBef>
+                              <a:spcPts val="0"/>
+                            </a:spcBef>
+                            <a:spcAft>
+                              <a:spcPts val="0"/>
+                            </a:spcAft>
+                            <a:buClrTx/>
+                            <a:buSzTx/>
+                            <a:buFontTx/>
+                            <a:buNone/>
+                            <a:tabLst/>
+                            <a:defRPr/>
+                          </a:pPr>
+                          <a:r>
+                            <a:rPr lang="en-US" altLang="ko-KR" sz="1200" dirty="0">
+                              <a:solidFill>
+                                <a:schemeClr val="tx1"/>
+                              </a:solidFill>
+                              <a:latin typeface="Times New Roman" panose="02020603050405020304" pitchFamily="18" charset="0"/>
+                              <a:cs typeface="Times New Roman" panose="02020603050405020304" pitchFamily="18" charset="0"/>
+                              <a:sym typeface="Wingdings" panose="05000000000000000000" pitchFamily="2" charset="2"/>
+                            </a:rPr>
+                            <a:t>∙</a:t>
+                          </a:r>
+                        </a:p>
+                        <a:p>
+                          <a:pPr marL="0" marR="0" lvl="0" indent="0" algn="ctr" defTabSz="914400" rtl="0" eaLnBrk="1" fontAlgn="auto" latinLnBrk="1" hangingPunct="1">
+                            <a:lnSpc>
+                              <a:spcPct val="100000"/>
+                            </a:lnSpc>
+                            <a:spcBef>
+                              <a:spcPts val="0"/>
+                            </a:spcBef>
+                            <a:spcAft>
+                              <a:spcPts val="0"/>
+                            </a:spcAft>
+                            <a:buClrTx/>
+                            <a:buSzTx/>
+                            <a:buFontTx/>
+                            <a:buNone/>
+                            <a:tabLst/>
+                            <a:defRPr/>
+                          </a:pPr>
+                          <a:r>
+                            <a:rPr lang="en-US" altLang="ko-KR" sz="1200" dirty="0">
+                              <a:solidFill>
+                                <a:schemeClr val="tx1"/>
+                              </a:solidFill>
+                              <a:latin typeface="Times New Roman" panose="02020603050405020304" pitchFamily="18" charset="0"/>
+                              <a:cs typeface="Times New Roman" panose="02020603050405020304" pitchFamily="18" charset="0"/>
+                              <a:sym typeface="Wingdings" panose="05000000000000000000" pitchFamily="2" charset="2"/>
+                            </a:rPr>
+                            <a:t>∙</a:t>
+                          </a:r>
+                        </a:p>
+                        <a:p>
+                          <a:pPr marL="0" marR="0" lvl="0" indent="0" algn="ctr" defTabSz="914400" rtl="0" eaLnBrk="1" fontAlgn="auto" latinLnBrk="1" hangingPunct="1">
+                            <a:lnSpc>
+                              <a:spcPct val="100000"/>
+                            </a:lnSpc>
+                            <a:spcBef>
+                              <a:spcPts val="0"/>
+                            </a:spcBef>
+                            <a:spcAft>
+                              <a:spcPts val="0"/>
+                            </a:spcAft>
+                            <a:buClrTx/>
+                            <a:buSzTx/>
+                            <a:buFontTx/>
+                            <a:buNone/>
+                            <a:tabLst/>
+                            <a:defRPr/>
+                          </a:pPr>
+                          <a:r>
+                            <a:rPr lang="en-US" altLang="ko-KR" sz="1200" dirty="0">
+                              <a:solidFill>
+                                <a:schemeClr val="tx1"/>
+                              </a:solidFill>
+                              <a:latin typeface="Times New Roman" panose="02020603050405020304" pitchFamily="18" charset="0"/>
+                              <a:cs typeface="Times New Roman" panose="02020603050405020304" pitchFamily="18" charset="0"/>
+                              <a:sym typeface="Wingdings" panose="05000000000000000000" pitchFamily="2" charset="2"/>
+                            </a:rPr>
+                            <a:t>∙</a:t>
+                          </a:r>
+                        </a:p>
+                        <a:p>
+                          <a:pPr marL="0" marR="0" lvl="0" indent="0" algn="ctr" defTabSz="914400" rtl="0" eaLnBrk="1" fontAlgn="auto" latinLnBrk="1" hangingPunct="1">
+                            <a:lnSpc>
+                              <a:spcPct val="100000"/>
+                            </a:lnSpc>
+                            <a:spcBef>
+                              <a:spcPts val="0"/>
+                            </a:spcBef>
+                            <a:spcAft>
+                              <a:spcPts val="0"/>
+                            </a:spcAft>
+                            <a:buClrTx/>
+                            <a:buSzTx/>
+                            <a:buFontTx/>
+                            <a:buNone/>
+                            <a:tabLst/>
+                            <a:defRPr/>
+                          </a:pPr>
+                          <a:r>
+                            <a:rPr lang="en-US" altLang="ko-KR" sz="1200" dirty="0">
+                              <a:solidFill>
+                                <a:schemeClr val="tx1"/>
+                              </a:solidFill>
+                              <a:latin typeface="Times New Roman" panose="02020603050405020304" pitchFamily="18" charset="0"/>
+                              <a:cs typeface="Times New Roman" panose="02020603050405020304" pitchFamily="18" charset="0"/>
+                            </a:rPr>
+                            <a:t>N%</a:t>
+                          </a:r>
+                          <a14:m>
+                            <m:oMath xmlns:m="http://schemas.openxmlformats.org/officeDocument/2006/math">
+                              <m:sSup>
+                                <m:sSupPr>
+                                  <m:ctrlPr>
+                                    <a:rPr lang="en-US" altLang="ko-KR" sz="1200" smtClean="0">
+                                      <a:solidFill>
+                                        <a:schemeClr val="tx1"/>
+                                      </a:solidFill>
+                                      <a:latin typeface="Cambria Math" panose="02040503050406030204" pitchFamily="18" charset="0"/>
+                                    </a:rPr>
+                                  </m:ctrlPr>
+                                </m:sSupPr>
+                                <m:e>
+                                  <m:r>
+                                    <a:rPr lang="en-US" altLang="ko-KR" sz="1200" smtClean="0">
+                                      <a:solidFill>
+                                        <a:schemeClr val="tx1"/>
+                                      </a:solidFill>
+                                      <a:latin typeface="Cambria Math" panose="02040503050406030204" pitchFamily="18" charset="0"/>
+                                    </a:rPr>
+                                    <m:t>2</m:t>
+                                  </m:r>
+                                </m:e>
+                                <m:sup>
+                                  <m:r>
+                                    <a:rPr lang="en-US" altLang="ko-KR" sz="1200" i="1" smtClean="0">
+                                      <a:solidFill>
+                                        <a:schemeClr val="tx1"/>
+                                      </a:solidFill>
+                                      <a:latin typeface="Cambria Math" panose="02040503050406030204" pitchFamily="18" charset="0"/>
+                                    </a:rPr>
+                                    <m:t>𝑛</m:t>
+                                  </m:r>
+                                </m:sup>
+                              </m:sSup>
+                            </m:oMath>
+                          </a14:m>
+                          <a:r>
+                            <a:rPr lang="en-US" altLang="ko-KR" sz="1200" dirty="0">
+                              <a:solidFill>
+                                <a:schemeClr val="tx1"/>
+                              </a:solidFill>
+                              <a:latin typeface="Times New Roman" panose="02020603050405020304" pitchFamily="18" charset="0"/>
+                              <a:cs typeface="Times New Roman" panose="02020603050405020304" pitchFamily="18" charset="0"/>
+                            </a:rPr>
+                            <a:t> == 0 </a:t>
+                          </a:r>
+                          <a:r>
+                            <a:rPr lang="en-US" altLang="ko-KR" sz="1200" dirty="0">
+                              <a:solidFill>
+                                <a:schemeClr val="tx1"/>
+                              </a:solidFill>
+                              <a:latin typeface="Times New Roman" panose="02020603050405020304" pitchFamily="18" charset="0"/>
+                              <a:cs typeface="Times New Roman" panose="02020603050405020304" pitchFamily="18" charset="0"/>
+                              <a:sym typeface="Wingdings" panose="05000000000000000000" pitchFamily="2" charset="2"/>
+                            </a:rPr>
+                            <a:t> N &amp; </a:t>
+                          </a:r>
+                          <a14:m>
+                            <m:oMath xmlns:m="http://schemas.openxmlformats.org/officeDocument/2006/math">
+                              <m:sSup>
+                                <m:sSupPr>
+                                  <m:ctrlPr>
+                                    <a:rPr lang="en-US" altLang="ko-KR" sz="1200" dirty="0" smtClean="0">
+                                      <a:solidFill>
+                                        <a:schemeClr val="tx1"/>
+                                      </a:solidFill>
+                                      <a:latin typeface="Cambria Math" panose="02040503050406030204" pitchFamily="18" charset="0"/>
+                                      <a:sym typeface="Wingdings" panose="05000000000000000000" pitchFamily="2" charset="2"/>
+                                    </a:rPr>
+                                  </m:ctrlPr>
+                                </m:sSupPr>
+                                <m:e>
+                                  <m:r>
+                                    <a:rPr lang="en-US" altLang="ko-KR" sz="1200" dirty="0" smtClean="0">
+                                      <a:solidFill>
+                                        <a:schemeClr val="tx1"/>
+                                      </a:solidFill>
+                                      <a:latin typeface="Cambria Math" panose="02040503050406030204" pitchFamily="18" charset="0"/>
+                                      <a:sym typeface="Wingdings" panose="05000000000000000000" pitchFamily="2" charset="2"/>
+                                    </a:rPr>
+                                    <m:t>2</m:t>
+                                  </m:r>
+                                </m:e>
+                                <m:sup>
+                                  <m:r>
+                                    <a:rPr lang="en-US" altLang="ko-KR" sz="1200" i="1" dirty="0" smtClean="0">
+                                      <a:solidFill>
+                                        <a:schemeClr val="tx1"/>
+                                      </a:solidFill>
+                                      <a:latin typeface="Cambria Math" panose="02040503050406030204" pitchFamily="18" charset="0"/>
+                                      <a:sym typeface="Wingdings" panose="05000000000000000000" pitchFamily="2" charset="2"/>
+                                    </a:rPr>
+                                    <m:t>𝑛</m:t>
+                                  </m:r>
+                                  <m:r>
+                                    <a:rPr lang="en-US" altLang="ko-KR" sz="1200" i="0" dirty="0" smtClean="0">
+                                      <a:solidFill>
+                                        <a:schemeClr val="tx1"/>
+                                      </a:solidFill>
+                                      <a:latin typeface="Cambria Math" panose="02040503050406030204" pitchFamily="18" charset="0"/>
+                                      <a:sym typeface="Wingdings" panose="05000000000000000000" pitchFamily="2" charset="2"/>
+                                    </a:rPr>
+                                    <m:t>−1</m:t>
+                                  </m:r>
+                                </m:sup>
+                              </m:sSup>
+                            </m:oMath>
+                          </a14:m>
+                          <a:r>
+                            <a:rPr lang="en-US" altLang="ko-KR" sz="1200" dirty="0">
+                              <a:solidFill>
+                                <a:schemeClr val="tx1"/>
+                              </a:solidFill>
+                              <a:latin typeface="Times New Roman" panose="02020603050405020304" pitchFamily="18" charset="0"/>
+                              <a:cs typeface="Times New Roman" panose="02020603050405020304" pitchFamily="18" charset="0"/>
+                              <a:sym typeface="Wingdings" panose="05000000000000000000" pitchFamily="2" charset="2"/>
+                            </a:rPr>
+                            <a:t> == 0</a:t>
+                          </a:r>
+                        </a:p>
+                      </a:txBody>
+                      <a:tcPr>
+                        <a:lnL w="12700" cap="flat" cmpd="sng" algn="ctr">
+                          <a:solidFill>
+                            <a:schemeClr val="tx1"/>
+                          </a:solidFill>
+                          <a:prstDash val="solid"/>
+                          <a:round/>
+                          <a:headEnd type="none" w="med" len="med"/>
+                          <a:tailEnd type="none" w="med" len="med"/>
+                        </a:lnL>
+                        <a:lnR w="12700" cap="flat" cmpd="sng" algn="ctr">
+                          <a:solidFill>
+                            <a:schemeClr val="tx1"/>
+                          </a:solidFill>
+                          <a:prstDash val="solid"/>
+                          <a:round/>
+                          <a:headEnd type="none" w="med" len="med"/>
+                          <a:tailEnd type="none" w="med" len="med"/>
+                        </a:lnR>
+                        <a:lnT w="12700" cap="flat" cmpd="sng" algn="ctr">
+                          <a:solidFill>
+                            <a:schemeClr val="tx1"/>
+                          </a:solidFill>
+                          <a:prstDash val="solid"/>
+                          <a:round/>
+                          <a:headEnd type="none" w="med" len="med"/>
+                          <a:tailEnd type="none" w="med" len="med"/>
+                        </a:lnT>
+                        <a:lnB w="12700" cap="flat" cmpd="sng" algn="ctr">
+                          <a:solidFill>
+                            <a:schemeClr val="tx1"/>
+                          </a:solidFill>
+                          <a:prstDash val="solid"/>
+                          <a:round/>
+                          <a:headEnd type="none" w="med" len="med"/>
+                          <a:tailEnd type="none" w="med" len="med"/>
+                        </a:lnB>
+                        <a:lnTlToBr w="12700" cmpd="sng">
+                          <a:noFill/>
+                          <a:prstDash val="solid"/>
+                        </a:lnTlToBr>
+                        <a:lnBlToTr w="12700" cmpd="sng">
+                          <a:noFill/>
+                          <a:prstDash val="solid"/>
+                        </a:lnBlToTr>
+                        <a:noFill/>
+                      </a:tcPr>
+                    </a:tc>
+                    <a:extLst>
+                      <a:ext uri="{0D108BD9-81ED-4DB2-BD59-A6C34878D82A}">
+                        <a16:rowId xmlns:a16="http://schemas.microsoft.com/office/drawing/2014/main" val="4126198778"/>
+                      </a:ext>
+                    </a:extLst>
+                  </a:tr>
+                </a:tbl>
+              </a:graphicData>
+            </a:graphic>
+          </p:graphicFrame>
+        </mc:Choice>
+        <mc:Fallback>
+          <p:graphicFrame>
+            <p:nvGraphicFramePr>
+              <p:cNvPr id="3" name="표 2">
+                <a:extLst>
+                  <a:ext uri="{FF2B5EF4-FFF2-40B4-BE49-F238E27FC236}">
+                    <a16:creationId xmlns:a16="http://schemas.microsoft.com/office/drawing/2014/main" id="{AE6D1D21-AA00-C9FE-85DF-5675FA462C7D}"/>
+                  </a:ext>
+                </a:extLst>
+              </p:cNvPr>
+              <p:cNvGraphicFramePr>
+                <a:graphicFrameLocks noGrp="1"/>
+              </p:cNvGraphicFramePr>
+              <p:nvPr/>
+            </p:nvGraphicFramePr>
+            <p:xfrm>
+              <a:off x="2411394" y="1404075"/>
+              <a:ext cx="2661120" cy="1543055"/>
+            </p:xfrm>
+            <a:graphic>
+              <a:graphicData uri="http://schemas.openxmlformats.org/drawingml/2006/table">
+                <a:tbl>
+                  <a:tblPr firstRow="1" bandRow="1">
+                    <a:tableStyleId>{5C22544A-7EE6-4342-B048-85BDC9FD1C3A}</a:tableStyleId>
+                  </a:tblPr>
+                  <a:tblGrid>
+                    <a:gridCol w="2661120">
+                      <a:extLst>
+                        <a:ext uri="{9D8B030D-6E8A-4147-A177-3AD203B41FA5}">
+                          <a16:colId xmlns:a16="http://schemas.microsoft.com/office/drawing/2014/main" val="1427386122"/>
+                        </a:ext>
+                      </a:extLst>
+                    </a:gridCol>
+                  </a:tblGrid>
+                  <a:tr h="1543055">
+                    <a:tc>
+                      <a:txBody>
+                        <a:bodyPr/>
+                        <a:lstStyle/>
+                        <a:p>
+                          <a:endParaRPr lang="ko-KR"/>
+                        </a:p>
+                      </a:txBody>
+                      <a:tcPr>
+                        <a:lnL w="12700" cap="flat" cmpd="sng" algn="ctr">
+                          <a:solidFill>
+                            <a:schemeClr val="tx1"/>
+                          </a:solidFill>
+                          <a:prstDash val="solid"/>
+                          <a:round/>
+                          <a:headEnd type="none" w="med" len="med"/>
+                          <a:tailEnd type="none" w="med" len="med"/>
+                        </a:lnL>
+                        <a:lnR w="12700" cap="flat" cmpd="sng" algn="ctr">
+                          <a:solidFill>
+                            <a:schemeClr val="tx1"/>
+                          </a:solidFill>
+                          <a:prstDash val="solid"/>
+                          <a:round/>
+                          <a:headEnd type="none" w="med" len="med"/>
+                          <a:tailEnd type="none" w="med" len="med"/>
+                        </a:lnR>
+                        <a:lnT w="12700" cap="flat" cmpd="sng" algn="ctr">
+                          <a:solidFill>
+                            <a:schemeClr val="tx1"/>
+                          </a:solidFill>
+                          <a:prstDash val="solid"/>
+                          <a:round/>
+                          <a:headEnd type="none" w="med" len="med"/>
+                          <a:tailEnd type="none" w="med" len="med"/>
+                        </a:lnT>
+                        <a:lnB w="12700" cap="flat" cmpd="sng" algn="ctr">
+                          <a:solidFill>
+                            <a:schemeClr val="tx1"/>
+                          </a:solidFill>
+                          <a:prstDash val="solid"/>
+                          <a:round/>
+                          <a:headEnd type="none" w="med" len="med"/>
+                          <a:tailEnd type="none" w="med" len="med"/>
+                        </a:lnB>
+                        <a:lnTlToBr w="12700" cmpd="sng">
+                          <a:noFill/>
+                          <a:prstDash val="solid"/>
+                        </a:lnTlToBr>
+                        <a:lnBlToTr w="12700" cmpd="sng">
+                          <a:noFill/>
+                          <a:prstDash val="solid"/>
+                        </a:lnBlToTr>
+                        <a:blipFill>
+                          <a:blip r:embed="rId3"/>
+                          <a:stretch>
+                            <a:fillRect l="-228" t="-394" r="-457" b="-787"/>
+                          </a:stretch>
+                        </a:blipFill>
+                      </a:tcPr>
+                    </a:tc>
+                    <a:extLst>
+                      <a:ext uri="{0D108BD9-81ED-4DB2-BD59-A6C34878D82A}">
+                        <a16:rowId xmlns:a16="http://schemas.microsoft.com/office/drawing/2014/main" val="4126198778"/>
+                      </a:ext>
+                    </a:extLst>
+                  </a:tr>
+                </a:tbl>
+              </a:graphicData>
+            </a:graphic>
+          </p:graphicFrame>
+        </mc:Fallback>
+      </mc:AlternateContent>
+    </p:spTree>
+    <p:extLst>
+      <p:ext uri="{BB962C8B-B14F-4D97-AF65-F5344CB8AC3E}">
+        <p14:creationId xmlns:p14="http://schemas.microsoft.com/office/powerpoint/2010/main" val="4022467697"/>
+      </p:ext>
+    </p:extLst>
+  </p:cSld>
+  <p:clrMapOvr>
+    <a:masterClrMapping/>
+  </p:clrMapOvr>
+</p:sld>
+</file>
+
 <file path=ppt/slides/slide2.xml><?xml version="1.0" encoding="utf-8"?>
 <p:sld xmlns:a="http://schemas.openxmlformats.org/drawingml/2006/main" xmlns:r="http://schemas.openxmlformats.org/officeDocument/2006/relationships" xmlns:p="http://schemas.openxmlformats.org/presentationml/2006/main">
   <p:cSld>
